--- a/asset/Learn_ja/OASE-offline-install_ja.pptx
+++ b/asset/Learn_ja/OASE-offline-install_ja.pptx
@@ -6,10 +6,10 @@
     <p:sldMasterId id="2147483703" r:id="rId2"/>
   </p:sldMasterIdLst>
   <p:notesMasterIdLst>
-    <p:notesMasterId r:id="rId42"/>
+    <p:notesMasterId r:id="rId39"/>
   </p:notesMasterIdLst>
   <p:handoutMasterIdLst>
-    <p:handoutMasterId r:id="rId43"/>
+    <p:handoutMasterId r:id="rId40"/>
   </p:handoutMasterIdLst>
   <p:sldIdLst>
     <p:sldId id="262" r:id="rId3"/>
@@ -41,16 +41,13 @@
     <p:sldId id="522" r:id="rId29"/>
     <p:sldId id="551" r:id="rId30"/>
     <p:sldId id="524" r:id="rId31"/>
-    <p:sldId id="539" r:id="rId32"/>
-    <p:sldId id="526" r:id="rId33"/>
-    <p:sldId id="525" r:id="rId34"/>
-    <p:sldId id="528" r:id="rId35"/>
-    <p:sldId id="529" r:id="rId36"/>
-    <p:sldId id="527" r:id="rId37"/>
-    <p:sldId id="540" r:id="rId38"/>
-    <p:sldId id="552" r:id="rId39"/>
-    <p:sldId id="553" r:id="rId40"/>
-    <p:sldId id="318" r:id="rId41"/>
+    <p:sldId id="554" r:id="rId32"/>
+    <p:sldId id="555" r:id="rId33"/>
+    <p:sldId id="556" r:id="rId34"/>
+    <p:sldId id="557" r:id="rId35"/>
+    <p:sldId id="552" r:id="rId36"/>
+    <p:sldId id="553" r:id="rId37"/>
+    <p:sldId id="318" r:id="rId38"/>
   </p:sldIdLst>
   <p:sldSz cx="9144000" cy="6858000" type="screen4x3"/>
   <p:notesSz cx="6807200" cy="9939338"/>
@@ -204,13 +201,10 @@
         <p14:section name="4.　OASE動作確認" id="{997E25C5-536A-441F-84BA-3CB1FBC6F6F3}">
           <p14:sldIdLst>
             <p14:sldId id="524"/>
-            <p14:sldId id="539"/>
-            <p14:sldId id="526"/>
-            <p14:sldId id="525"/>
-            <p14:sldId id="528"/>
-            <p14:sldId id="529"/>
-            <p14:sldId id="527"/>
-            <p14:sldId id="540"/>
+            <p14:sldId id="554"/>
+            <p14:sldId id="555"/>
+            <p14:sldId id="556"/>
+            <p14:sldId id="557"/>
           </p14:sldIdLst>
         </p14:section>
         <p14:section name="参考" id="{3507ED23-8656-473F-B0E3-4C0D7A8BC35A}">
@@ -366,7 +360,7 @@
               <a:rPr kumimoji="1" lang="ja-JP" altLang="en-US" smtClean="0">
                 <a:ea typeface="メイリオ" panose="020B0604030504040204" pitchFamily="50" charset="-128"/>
               </a:rPr>
-              <a:t>2021/3/1</a:t>
+              <a:t>2021/7/7</a:t>
             </a:fld>
             <a:endParaRPr kumimoji="1" lang="ja-JP" altLang="en-US">
               <a:ea typeface="メイリオ" panose="020B0604030504040204" pitchFamily="50" charset="-128"/>
@@ -512,7 +506,7 @@
             <a:fld id="{4B26993D-C081-44EB-B0F5-A9F467792B62}" type="datetimeFigureOut">
               <a:rPr lang="ja-JP" altLang="en-US" smtClean="0"/>
               <a:pPr/>
-              <a:t>2021/3/1</a:t>
+              <a:t>2021/7/7</a:t>
             </a:fld>
             <a:endParaRPr lang="ja-JP" altLang="en-US"/>
           </a:p>
@@ -1476,7 +1470,7 @@
           <a:p>
             <a:fld id="{56F9016B-CCA6-43BE-8BEE-59565A35F4F7}" type="datetimeFigureOut">
               <a:rPr kumimoji="1" lang="ja-JP" altLang="en-US" smtClean="0"/>
-              <a:t>2021/3/1</a:t>
+              <a:t>2021/7/7</a:t>
             </a:fld>
             <a:endParaRPr kumimoji="1" lang="ja-JP" altLang="en-US"/>
           </a:p>
@@ -1676,7 +1670,7 @@
           <a:p>
             <a:fld id="{56F9016B-CCA6-43BE-8BEE-59565A35F4F7}" type="datetimeFigureOut">
               <a:rPr kumimoji="1" lang="ja-JP" altLang="en-US" smtClean="0"/>
-              <a:t>2021/3/1</a:t>
+              <a:t>2021/7/7</a:t>
             </a:fld>
             <a:endParaRPr kumimoji="1" lang="ja-JP" altLang="en-US"/>
           </a:p>
@@ -1921,7 +1915,7 @@
           <a:p>
             <a:fld id="{56F9016B-CCA6-43BE-8BEE-59565A35F4F7}" type="datetimeFigureOut">
               <a:rPr kumimoji="1" lang="ja-JP" altLang="en-US" smtClean="0"/>
-              <a:t>2021/3/1</a:t>
+              <a:t>2021/7/7</a:t>
             </a:fld>
             <a:endParaRPr kumimoji="1" lang="ja-JP" altLang="en-US"/>
           </a:p>
@@ -2214,7 +2208,7 @@
           <a:p>
             <a:fld id="{56F9016B-CCA6-43BE-8BEE-59565A35F4F7}" type="datetimeFigureOut">
               <a:rPr kumimoji="1" lang="ja-JP" altLang="en-US" smtClean="0"/>
-              <a:t>2021/3/1</a:t>
+              <a:t>2021/7/7</a:t>
             </a:fld>
             <a:endParaRPr kumimoji="1" lang="ja-JP" altLang="en-US"/>
           </a:p>
@@ -2642,7 +2636,7 @@
           <a:p>
             <a:fld id="{56F9016B-CCA6-43BE-8BEE-59565A35F4F7}" type="datetimeFigureOut">
               <a:rPr kumimoji="1" lang="ja-JP" altLang="en-US" smtClean="0"/>
-              <a:t>2021/3/1</a:t>
+              <a:t>2021/7/7</a:t>
             </a:fld>
             <a:endParaRPr kumimoji="1" lang="ja-JP" altLang="en-US"/>
           </a:p>
@@ -2759,7 +2753,7 @@
           <a:p>
             <a:fld id="{56F9016B-CCA6-43BE-8BEE-59565A35F4F7}" type="datetimeFigureOut">
               <a:rPr kumimoji="1" lang="ja-JP" altLang="en-US" smtClean="0"/>
-              <a:t>2021/3/1</a:t>
+              <a:t>2021/7/7</a:t>
             </a:fld>
             <a:endParaRPr kumimoji="1" lang="ja-JP" altLang="en-US"/>
           </a:p>
@@ -2854,7 +2848,7 @@
           <a:p>
             <a:fld id="{56F9016B-CCA6-43BE-8BEE-59565A35F4F7}" type="datetimeFigureOut">
               <a:rPr kumimoji="1" lang="ja-JP" altLang="en-US" smtClean="0"/>
-              <a:t>2021/3/1</a:t>
+              <a:t>2021/7/7</a:t>
             </a:fld>
             <a:endParaRPr kumimoji="1" lang="ja-JP" altLang="en-US"/>
           </a:p>
@@ -3161,7 +3155,7 @@
           <a:p>
             <a:fld id="{56F9016B-CCA6-43BE-8BEE-59565A35F4F7}" type="datetimeFigureOut">
               <a:rPr kumimoji="1" lang="ja-JP" altLang="en-US" smtClean="0"/>
-              <a:t>2021/3/1</a:t>
+              <a:t>2021/7/7</a:t>
             </a:fld>
             <a:endParaRPr kumimoji="1" lang="ja-JP" altLang="en-US"/>
           </a:p>
@@ -3413,7 +3407,7 @@
           <a:p>
             <a:fld id="{56F9016B-CCA6-43BE-8BEE-59565A35F4F7}" type="datetimeFigureOut">
               <a:rPr kumimoji="1" lang="ja-JP" altLang="en-US" smtClean="0"/>
-              <a:t>2021/3/1</a:t>
+              <a:t>2021/7/7</a:t>
             </a:fld>
             <a:endParaRPr kumimoji="1" lang="ja-JP" altLang="en-US"/>
           </a:p>
@@ -3680,7 +3674,7 @@
           <a:p>
             <a:fld id="{56F9016B-CCA6-43BE-8BEE-59565A35F4F7}" type="datetimeFigureOut">
               <a:rPr kumimoji="1" lang="ja-JP" altLang="en-US" smtClean="0"/>
-              <a:t>2021/3/1</a:t>
+              <a:t>2021/7/7</a:t>
             </a:fld>
             <a:endParaRPr kumimoji="1" lang="ja-JP" altLang="en-US"/>
           </a:p>
@@ -3890,7 +3884,7 @@
           <a:p>
             <a:fld id="{56F9016B-CCA6-43BE-8BEE-59565A35F4F7}" type="datetimeFigureOut">
               <a:rPr kumimoji="1" lang="ja-JP" altLang="en-US" smtClean="0"/>
-              <a:t>2021/3/1</a:t>
+              <a:t>2021/7/7</a:t>
             </a:fld>
             <a:endParaRPr kumimoji="1" lang="ja-JP" altLang="en-US"/>
           </a:p>
@@ -6882,7 +6876,7 @@
           <a:p>
             <a:fld id="{56F9016B-CCA6-43BE-8BEE-59565A35F4F7}" type="datetimeFigureOut">
               <a:rPr kumimoji="1" lang="ja-JP" altLang="en-US" smtClean="0"/>
-              <a:t>2021/3/1</a:t>
+              <a:t>2021/7/7</a:t>
             </a:fld>
             <a:endParaRPr kumimoji="1" lang="ja-JP" altLang="en-US"/>
           </a:p>
@@ -8451,11 +8445,7 @@
             </a:r>
             <a:r>
               <a:rPr lang="ja-JP" altLang="en-US" dirty="0"/>
-              <a:t>　</a:t>
-            </a:r>
-            <a:r>
-              <a:rPr lang="ja-JP" altLang="en-US" dirty="0"/>
-              <a:t>オフ</a:t>
+              <a:t>　オフ</a:t>
             </a:r>
             <a:r>
               <a:rPr lang="ja-JP" altLang="en-US" dirty="0" smtClean="0"/>
@@ -8535,11 +8525,7 @@
             </a:r>
             <a:r>
               <a:rPr lang="ja-JP" altLang="en-US" dirty="0" smtClean="0"/>
-              <a:t>で</a:t>
-            </a:r>
-            <a:r>
-              <a:rPr lang="ja-JP" altLang="en-US" dirty="0" smtClean="0"/>
-              <a:t>環境</a:t>
+              <a:t>で環境</a:t>
             </a:r>
             <a:r>
               <a:rPr lang="ja-JP" altLang="en-US" dirty="0"/>
@@ -12081,17 +12067,7 @@
                 <a:latin typeface="+mn-ea"/>
                 <a:cs typeface="Times New Roman" panose="02020603050405020304" pitchFamily="18" charset="0"/>
               </a:rPr>
-              <a:t>　  圧縮</a:t>
-            </a:r>
-            <a:r>
-              <a:rPr kumimoji="0" lang="ja-JP" altLang="en-US" sz="1200" dirty="0" smtClean="0">
-                <a:solidFill>
-                  <a:srgbClr val="000000"/>
-                </a:solidFill>
-                <a:latin typeface="+mn-ea"/>
-                <a:cs typeface="Times New Roman" panose="02020603050405020304" pitchFamily="18" charset="0"/>
-              </a:rPr>
-              <a:t>ファイル</a:t>
+              <a:t>　  圧縮ファイル</a:t>
             </a:r>
             <a:r>
               <a:rPr kumimoji="0" lang="ja-JP" altLang="en-US" sz="1200" dirty="0">
@@ -12103,13 +12079,6 @@
               </a:rPr>
               <a:t>作成</a:t>
             </a:r>
-            <a:endParaRPr kumimoji="0" lang="ja-JP" altLang="en-US" sz="1200" dirty="0">
-              <a:solidFill>
-                <a:srgbClr val="000000"/>
-              </a:solidFill>
-              <a:latin typeface="+mn-ea"/>
-              <a:cs typeface="Times New Roman" panose="02020603050405020304" pitchFamily="18" charset="0"/>
-            </a:endParaRPr>
           </a:p>
         </p:txBody>
       </p:sp>
@@ -12276,17 +12245,7 @@
                 <a:latin typeface="+mn-ea"/>
                 <a:cs typeface="Times New Roman" panose="02020603050405020304" pitchFamily="18" charset="0"/>
               </a:rPr>
-              <a:t>④</a:t>
-            </a:r>
-            <a:r>
-              <a:rPr kumimoji="0" lang="ja-JP" altLang="en-US" sz="1200" dirty="0" smtClean="0">
-                <a:solidFill>
-                  <a:srgbClr val="000000"/>
-                </a:solidFill>
-                <a:latin typeface="+mn-ea"/>
-                <a:cs typeface="Times New Roman" panose="02020603050405020304" pitchFamily="18" charset="0"/>
-              </a:rPr>
-              <a:t>インストールパッケージ</a:t>
+              <a:t>④インストールパッケージ</a:t>
             </a:r>
             <a:endParaRPr kumimoji="0" lang="en-US" altLang="ja-JP" sz="1200" dirty="0" smtClean="0">
               <a:solidFill>
@@ -13963,11 +13922,7 @@
             </a:r>
             <a:r>
               <a:rPr lang="ja-JP" altLang="en-US" dirty="0" smtClean="0"/>
-              <a:t>ファイル</a:t>
-            </a:r>
-            <a:r>
-              <a:rPr lang="ja-JP" altLang="en-US" dirty="0" smtClean="0"/>
-              <a:t>を解凍します。</a:t>
+              <a:t>ファイルを解凍します。</a:t>
             </a:r>
             <a:r>
               <a:rPr lang="en-US" altLang="ja-JP" dirty="0" smtClean="0"/>
@@ -13985,11 +13940,7 @@
             </a:br>
             <a:r>
               <a:rPr lang="en-US" altLang="ja-JP" sz="1400" dirty="0" smtClean="0"/>
-              <a:t># </a:t>
-            </a:r>
-            <a:r>
-              <a:rPr lang="en-US" altLang="ja-JP" sz="1400" dirty="0" smtClean="0"/>
-              <a:t>tar </a:t>
+              <a:t># tar </a:t>
             </a:r>
             <a:r>
               <a:rPr lang="en-US" altLang="ja-JP" sz="1400" dirty="0" err="1" smtClean="0"/>
@@ -14186,11 +14137,7 @@
           <a:p>
             <a:r>
               <a:rPr lang="ja-JP" altLang="en-US" dirty="0" smtClean="0"/>
-              <a:t>アンサー</a:t>
-            </a:r>
-            <a:r>
-              <a:rPr lang="ja-JP" altLang="en-US" dirty="0" smtClean="0"/>
-              <a:t>ファイル</a:t>
+              <a:t>アンサーファイル</a:t>
             </a:r>
             <a:r>
               <a:rPr lang="en-US" altLang="ja-JP" dirty="0" smtClean="0"/>
@@ -14708,11 +14655,7 @@
                       </a:r>
                       <a:r>
                         <a:rPr lang="ja-JP" altLang="en-US" sz="900" dirty="0" smtClean="0"/>
-                        <a:t>本体</a:t>
-                      </a:r>
-                      <a:r>
-                        <a:rPr lang="ja-JP" altLang="en-US" sz="900" dirty="0" smtClean="0"/>
-                        <a:t>のバージョンアップ</a:t>
+                        <a:t>本体のバージョンアップ</a:t>
                       </a:r>
                       <a:r>
                         <a:rPr lang="en-US" altLang="ja-JP" sz="900" dirty="0" smtClean="0"/>
@@ -14751,15 +14694,7 @@
                       </a:r>
                       <a:r>
                         <a:rPr lang="ja-JP" altLang="en-US" sz="900" dirty="0" smtClean="0"/>
-                        <a:t>本体</a:t>
-                      </a:r>
-                      <a:r>
-                        <a:rPr lang="ja-JP" altLang="en-US" sz="900" dirty="0" smtClean="0"/>
-                        <a:t>の</a:t>
-                      </a:r>
-                      <a:r>
-                        <a:rPr lang="ja-JP" altLang="en-US" sz="900" dirty="0" smtClean="0"/>
-                        <a:t>アンインストール</a:t>
+                        <a:t>本体のアンインストール</a:t>
                       </a:r>
                       <a:endParaRPr lang="en-US" altLang="ja-JP" sz="900" dirty="0" smtClean="0"/>
                     </a:p>
@@ -16174,15 +16109,7 @@
             </a:r>
             <a:r>
               <a:rPr lang="en-US" altLang="ja-JP" dirty="0" smtClean="0"/>
-              <a:t>(</a:t>
-            </a:r>
-            <a:r>
-              <a:rPr lang="en-US" altLang="ja-JP" dirty="0" smtClean="0"/>
-              <a:t>2/3</a:t>
-            </a:r>
-            <a:r>
-              <a:rPr lang="en-US" altLang="ja-JP" dirty="0" smtClean="0"/>
-              <a:t>)</a:t>
+              <a:t>(2/3)</a:t>
             </a:r>
             <a:endParaRPr lang="ja-JP" altLang="en-US" dirty="0" smtClean="0"/>
           </a:p>
@@ -18540,11 +18467,7 @@
             </a:r>
             <a:r>
               <a:rPr lang="en-US" altLang="ja-JP" dirty="0" smtClean="0"/>
-              <a:t>/3</a:t>
-            </a:r>
-            <a:r>
-              <a:rPr lang="en-US" altLang="ja-JP" dirty="0" smtClean="0"/>
-              <a:t>)</a:t>
+              <a:t>/3)</a:t>
             </a:r>
             <a:r>
               <a:rPr lang="en-US" altLang="ja-JP" dirty="0"/>
@@ -19801,7 +19724,6 @@
               <a:rPr lang="en-US" altLang="ja-JP" sz="1400" dirty="0" smtClean="0"/>
               <a:t>.tar.gz</a:t>
             </a:r>
-            <a:endParaRPr lang="en-US" altLang="ja-JP" sz="1400" dirty="0" smtClean="0"/>
           </a:p>
         </p:txBody>
       </p:sp>
@@ -19902,11 +19824,7 @@
           <a:p>
             <a:r>
               <a:rPr lang="ja-JP" altLang="en-US" dirty="0" smtClean="0"/>
-              <a:t>アンサー</a:t>
-            </a:r>
-            <a:r>
-              <a:rPr lang="ja-JP" altLang="en-US" dirty="0" smtClean="0"/>
-              <a:t>ファイル</a:t>
+              <a:t>アンサーファイル</a:t>
             </a:r>
             <a:r>
               <a:rPr lang="en-US" altLang="ja-JP" dirty="0" smtClean="0"/>
@@ -19942,11 +19860,7 @@
             </a:r>
             <a:r>
               <a:rPr lang="en-US" altLang="ja-JP" dirty="0" err="1" smtClean="0"/>
-              <a:t>Install</a:t>
-            </a:r>
-            <a:r>
-              <a:rPr lang="en-US" altLang="ja-JP" dirty="0" err="1" smtClean="0"/>
-              <a:t>_Offline</a:t>
+              <a:t>Install_Offline</a:t>
             </a:r>
             <a:r>
               <a:rPr lang="ja-JP" altLang="en-US" dirty="0" smtClean="0"/>
@@ -20452,11 +20366,7 @@
                       </a:r>
                       <a:r>
                         <a:rPr lang="ja-JP" altLang="en-US" sz="900" dirty="0" smtClean="0"/>
-                        <a:t>本体</a:t>
-                      </a:r>
-                      <a:r>
-                        <a:rPr lang="ja-JP" altLang="en-US" sz="900" dirty="0" smtClean="0"/>
-                        <a:t>のバージョンアップ</a:t>
+                        <a:t>本体のバージョンアップ</a:t>
                       </a:r>
                       <a:r>
                         <a:rPr lang="en-US" altLang="ja-JP" sz="900" dirty="0" smtClean="0"/>
@@ -20495,15 +20405,7 @@
                       </a:r>
                       <a:r>
                         <a:rPr lang="ja-JP" altLang="en-US" sz="900" dirty="0" smtClean="0"/>
-                        <a:t>本体</a:t>
-                      </a:r>
-                      <a:r>
-                        <a:rPr lang="ja-JP" altLang="en-US" sz="900" dirty="0" smtClean="0"/>
-                        <a:t>の</a:t>
-                      </a:r>
-                      <a:r>
-                        <a:rPr lang="ja-JP" altLang="en-US" sz="900" dirty="0" smtClean="0"/>
-                        <a:t>アンインストール</a:t>
+                        <a:t>本体のアンインストール</a:t>
                       </a:r>
                       <a:endParaRPr lang="en-US" altLang="ja-JP" sz="900" dirty="0" smtClean="0"/>
                     </a:p>
@@ -21926,15 +21828,7 @@
             </a:r>
             <a:r>
               <a:rPr lang="en-US" altLang="ja-JP" dirty="0" smtClean="0"/>
-              <a:t>(</a:t>
-            </a:r>
-            <a:r>
-              <a:rPr lang="en-US" altLang="ja-JP" dirty="0" smtClean="0"/>
-              <a:t>2/3</a:t>
-            </a:r>
-            <a:r>
-              <a:rPr lang="en-US" altLang="ja-JP" dirty="0" smtClean="0"/>
-              <a:t>)</a:t>
+              <a:t>(2/3)</a:t>
             </a:r>
             <a:endParaRPr lang="ja-JP" altLang="en-US" dirty="0" smtClean="0"/>
           </a:p>
@@ -24385,13 +24279,7 @@
               <a:rPr lang="ja-JP" altLang="en-US" sz="1400" dirty="0">
                 <a:latin typeface="+mn-ea"/>
               </a:rPr>
-              <a:t>　 </a:t>
-            </a:r>
-            <a:r>
-              <a:rPr lang="ja-JP" altLang="en-US" sz="1400" dirty="0">
-                <a:latin typeface="+mn-ea"/>
-              </a:rPr>
-              <a:t>オフ</a:t>
+              <a:t>　 オフ</a:t>
             </a:r>
             <a:r>
               <a:rPr lang="ja-JP" altLang="en-US" sz="1400" dirty="0" smtClean="0">
@@ -25116,7 +25004,7 @@
               <a:rPr lang="en-US" altLang="zh-TW" sz="1400" dirty="0" smtClean="0">
                 <a:latin typeface="+mn-ea"/>
               </a:rPr>
-              <a:t>1/7</a:t>
+              <a:t>1/4</a:t>
             </a:r>
             <a:r>
               <a:rPr lang="zh-TW" altLang="en-US" sz="1400" dirty="0" smtClean="0">
@@ -25145,7 +25033,7 @@
               <a:rPr lang="en-US" altLang="zh-TW" sz="1400" dirty="0" smtClean="0">
                 <a:latin typeface="+mn-ea"/>
               </a:rPr>
-              <a:t>2/7</a:t>
+              <a:t>2/4</a:t>
             </a:r>
             <a:r>
               <a:rPr lang="zh-TW" altLang="en-US" sz="1400" dirty="0" smtClean="0">
@@ -25174,7 +25062,7 @@
               <a:rPr lang="en-US" altLang="zh-TW" sz="1400" dirty="0" smtClean="0">
                 <a:latin typeface="+mn-ea"/>
               </a:rPr>
-              <a:t>3/7</a:t>
+              <a:t>3/4</a:t>
             </a:r>
             <a:r>
               <a:rPr lang="zh-TW" altLang="en-US" sz="1400" dirty="0" smtClean="0">
@@ -25203,7 +25091,7 @@
               <a:rPr lang="en-US" altLang="zh-TW" sz="1400" dirty="0" smtClean="0">
                 <a:latin typeface="+mn-ea"/>
               </a:rPr>
-              <a:t>4/7</a:t>
+              <a:t>4/4</a:t>
             </a:r>
             <a:r>
               <a:rPr lang="zh-TW" altLang="en-US" sz="1400" dirty="0" smtClean="0">
@@ -25216,123 +25104,6 @@
             </a:endParaRPr>
           </a:p>
           <a:p>
-            <a:r>
-              <a:rPr lang="en-US" altLang="zh-TW" sz="1400" dirty="0">
-                <a:latin typeface="+mn-ea"/>
-              </a:rPr>
-              <a:t>    4.5</a:t>
-            </a:r>
-            <a:r>
-              <a:rPr lang="zh-TW" altLang="en-US" sz="1400" dirty="0">
-                <a:latin typeface="+mn-ea"/>
-              </a:rPr>
-              <a:t>　 動作確認（</a:t>
-            </a:r>
-            <a:r>
-              <a:rPr lang="en-US" altLang="zh-TW" sz="1400" dirty="0" smtClean="0">
-                <a:latin typeface="+mn-ea"/>
-              </a:rPr>
-              <a:t>5/7</a:t>
-            </a:r>
-            <a:r>
-              <a:rPr lang="zh-TW" altLang="en-US" sz="1400" dirty="0" smtClean="0">
-                <a:latin typeface="+mn-ea"/>
-              </a:rPr>
-              <a:t>）</a:t>
-            </a:r>
-            <a:endParaRPr lang="en-US" altLang="zh-TW" sz="1400" dirty="0" smtClean="0">
-              <a:latin typeface="+mn-ea"/>
-            </a:endParaRPr>
-          </a:p>
-          <a:p>
-            <a:r>
-              <a:rPr lang="en-US" altLang="ja-JP" sz="1400" dirty="0" smtClean="0">
-                <a:latin typeface="+mn-ea"/>
-              </a:rPr>
-              <a:t>    </a:t>
-            </a:r>
-            <a:r>
-              <a:rPr lang="en-US" altLang="zh-TW" sz="1400" dirty="0" smtClean="0">
-                <a:latin typeface="+mn-ea"/>
-              </a:rPr>
-              <a:t>4.6</a:t>
-            </a:r>
-            <a:r>
-              <a:rPr lang="zh-TW" altLang="en-US" sz="1400" dirty="0">
-                <a:latin typeface="+mn-ea"/>
-              </a:rPr>
-              <a:t>　 動作確認</a:t>
-            </a:r>
-            <a:r>
-              <a:rPr lang="zh-TW" altLang="en-US" sz="1400" dirty="0" smtClean="0">
-                <a:latin typeface="+mn-ea"/>
-              </a:rPr>
-              <a:t>（</a:t>
-            </a:r>
-            <a:r>
-              <a:rPr lang="en-US" altLang="zh-TW" sz="1400" dirty="0">
-                <a:latin typeface="+mn-ea"/>
-              </a:rPr>
-              <a:t>6</a:t>
-            </a:r>
-            <a:r>
-              <a:rPr lang="en-US" altLang="zh-TW" sz="1400" dirty="0" smtClean="0">
-                <a:latin typeface="+mn-ea"/>
-              </a:rPr>
-              <a:t>/7</a:t>
-            </a:r>
-            <a:r>
-              <a:rPr lang="zh-TW" altLang="en-US" sz="1400" dirty="0" smtClean="0">
-                <a:latin typeface="+mn-ea"/>
-              </a:rPr>
-              <a:t>）</a:t>
-            </a:r>
-            <a:endParaRPr lang="en-US" altLang="zh-TW" sz="1400" dirty="0">
-              <a:latin typeface="+mn-ea"/>
-            </a:endParaRPr>
-          </a:p>
-          <a:p>
-            <a:r>
-              <a:rPr lang="en-US" altLang="ja-JP" sz="1400" dirty="0" smtClean="0">
-                <a:latin typeface="+mn-ea"/>
-              </a:rPr>
-              <a:t>    </a:t>
-            </a:r>
-            <a:r>
-              <a:rPr lang="en-US" altLang="zh-TW" sz="1400" dirty="0" smtClean="0">
-                <a:latin typeface="+mn-ea"/>
-              </a:rPr>
-              <a:t>4.7</a:t>
-            </a:r>
-            <a:r>
-              <a:rPr lang="zh-TW" altLang="en-US" sz="1400" dirty="0">
-                <a:latin typeface="+mn-ea"/>
-              </a:rPr>
-              <a:t>　 動作確認</a:t>
-            </a:r>
-            <a:r>
-              <a:rPr lang="zh-TW" altLang="en-US" sz="1400" dirty="0" smtClean="0">
-                <a:latin typeface="+mn-ea"/>
-              </a:rPr>
-              <a:t>（</a:t>
-            </a:r>
-            <a:r>
-              <a:rPr lang="en-US" altLang="zh-TW" sz="1400" dirty="0" smtClean="0">
-                <a:latin typeface="+mn-ea"/>
-              </a:rPr>
-              <a:t>7/7</a:t>
-            </a:r>
-            <a:r>
-              <a:rPr lang="zh-TW" altLang="en-US" sz="1400" dirty="0" smtClean="0">
-                <a:latin typeface="+mn-ea"/>
-              </a:rPr>
-              <a:t>）</a:t>
-            </a:r>
-            <a:endParaRPr lang="en-US" altLang="zh-TW" sz="1400" dirty="0" smtClean="0">
-              <a:latin typeface="+mn-ea"/>
-            </a:endParaRPr>
-          </a:p>
-          <a:p>
             <a:endParaRPr lang="en-US" altLang="zh-TW" sz="1400" dirty="0">
               <a:latin typeface="+mn-ea"/>
             </a:endParaRPr>
@@ -25381,9 +25152,6 @@
               </a:rPr>
               <a:t> </a:t>
             </a:r>
-            <a:endParaRPr lang="en-US" altLang="ja-JP" sz="1400" dirty="0" smtClean="0">
-              <a:latin typeface="+mn-ea"/>
-            </a:endParaRPr>
           </a:p>
           <a:p>
             <a:endParaRPr lang="en-US" altLang="ja-JP" sz="1400" dirty="0">
@@ -25513,11 +25281,7 @@
             </a:r>
             <a:r>
               <a:rPr lang="en-US" altLang="ja-JP" dirty="0" smtClean="0"/>
-              <a:t>/3</a:t>
-            </a:r>
-            <a:r>
-              <a:rPr lang="en-US" altLang="ja-JP" dirty="0" smtClean="0"/>
-              <a:t>)</a:t>
+              <a:t>/3)</a:t>
             </a:r>
             <a:r>
               <a:rPr lang="en-US" altLang="ja-JP" dirty="0"/>
@@ -26761,11 +26525,7 @@
             </a:r>
             <a:r>
               <a:rPr lang="en-US" altLang="ja-JP" dirty="0" smtClean="0"/>
-              <a:t>10</a:t>
-            </a:r>
-            <a:r>
-              <a:rPr lang="en-US" altLang="ja-JP" dirty="0" smtClean="0"/>
-              <a:t>/16</a:t>
+              <a:t>10/16</a:t>
             </a:r>
             <a:r>
               <a:rPr lang="ja-JP" altLang="en-US" dirty="0" smtClean="0"/>
@@ -27164,11 +26924,7 @@
             </a:r>
             <a:r>
               <a:rPr lang="en-US" altLang="ja-JP" dirty="0" smtClean="0"/>
-              <a:t>12</a:t>
-            </a:r>
-            <a:r>
-              <a:rPr lang="en-US" altLang="ja-JP" dirty="0" smtClean="0"/>
-              <a:t>/16</a:t>
+              <a:t>12/16</a:t>
             </a:r>
             <a:r>
               <a:rPr lang="ja-JP" altLang="en-US" dirty="0" smtClean="0"/>
@@ -27353,11 +27109,7 @@
             </a:r>
             <a:r>
               <a:rPr lang="en-US" altLang="ja-JP" dirty="0" smtClean="0"/>
-              <a:t>13</a:t>
-            </a:r>
-            <a:r>
-              <a:rPr lang="en-US" altLang="ja-JP" dirty="0" smtClean="0"/>
-              <a:t>/16</a:t>
+              <a:t>13/16</a:t>
             </a:r>
             <a:r>
               <a:rPr lang="ja-JP" altLang="en-US" dirty="0" smtClean="0"/>
@@ -28011,7 +27763,6 @@
               <a:rPr lang="en-US" altLang="ja-JP" dirty="0"/>
               <a:t>1</a:t>
             </a:r>
-            <a:endParaRPr lang="en-US" altLang="ja-JP" dirty="0"/>
           </a:p>
           <a:p>
             <a:pPr marL="180000" lvl="1" indent="0">
@@ -29111,1371 +28862,8 @@
           <a:lstStyle/>
           <a:p>
             <a:r>
-              <a:rPr lang="en-US" altLang="ja-JP"/>
+              <a:rPr lang="en-US" altLang="ja-JP" dirty="0"/>
               <a:t>4.1</a:t>
-            </a:r>
-            <a:r>
-              <a:rPr lang="ja-JP" altLang="en-US"/>
-              <a:t>　動作確認</a:t>
-            </a:r>
-            <a:r>
-              <a:rPr lang="ja-JP" altLang="en-US" smtClean="0"/>
-              <a:t>（</a:t>
-            </a:r>
-            <a:r>
-              <a:rPr lang="en-US" altLang="ja-JP" smtClean="0"/>
-              <a:t>1/7</a:t>
-            </a:r>
-            <a:r>
-              <a:rPr lang="ja-JP" altLang="en-US" smtClean="0"/>
-              <a:t>）</a:t>
-            </a:r>
-            <a:endParaRPr kumimoji="1" lang="ja-JP" altLang="en-US"/>
-          </a:p>
-        </p:txBody>
-      </p:sp>
-      <p:sp>
-        <p:nvSpPr>
-          <p:cNvPr id="3" name="コンテンツ プレースホルダー 2"/>
-          <p:cNvSpPr>
-            <a:spLocks noGrp="1"/>
-          </p:cNvSpPr>
-          <p:nvPr>
-            <p:ph sz="quarter" idx="10"/>
-          </p:nvPr>
-        </p:nvSpPr>
-        <p:spPr/>
-        <p:txBody>
-          <a:bodyPr/>
-          <a:lstStyle/>
-          <a:p>
-            <a:r>
-              <a:rPr lang="ja-JP" altLang="en-US"/>
-              <a:t>メインメニューの表示による確認</a:t>
-            </a:r>
-          </a:p>
-          <a:p>
-            <a:pPr lvl="1"/>
-            <a:r>
-              <a:rPr lang="ja-JP" altLang="en-US"/>
-              <a:t>インストール処理終了後、自端末の</a:t>
-            </a:r>
-            <a:r>
-              <a:rPr lang="en-US" altLang="ja-JP"/>
-              <a:t>WindowsPC</a:t>
-            </a:r>
-            <a:r>
-              <a:rPr lang="ja-JP" altLang="en-US"/>
-              <a:t>から下記の手順により、</a:t>
-            </a:r>
-            <a:r>
-              <a:rPr lang="en-US" altLang="ja-JP"/>
-              <a:t>OASE</a:t>
-            </a:r>
-            <a:r>
-              <a:rPr lang="ja-JP" altLang="en-US"/>
-              <a:t>システムメインメニューにアクセスし、</a:t>
-            </a:r>
-            <a:r>
-              <a:rPr lang="en-US" altLang="ja-JP"/>
-              <a:t>OASE</a:t>
-            </a:r>
-            <a:r>
-              <a:rPr lang="ja-JP" altLang="en-US"/>
-              <a:t>本体、各ドライバーが正常に表示されたことを確認してください。</a:t>
-            </a:r>
-            <a:endParaRPr lang="en-US" altLang="ja-JP"/>
-          </a:p>
-          <a:p>
-            <a:pPr marL="0" indent="0">
-              <a:buNone/>
-            </a:pPr>
-            <a:endParaRPr lang="en-US" altLang="ja-JP"/>
-          </a:p>
-          <a:p>
-            <a:pPr marL="0" indent="0">
-              <a:buNone/>
-            </a:pPr>
-            <a:endParaRPr lang="en-US" altLang="ja-JP"/>
-          </a:p>
-          <a:p>
-            <a:r>
-              <a:rPr lang="en-US" altLang="ja-JP" smtClean="0"/>
-              <a:t>HTTPS</a:t>
-            </a:r>
-            <a:r>
-              <a:rPr lang="ja-JP" altLang="en-US" smtClean="0"/>
-              <a:t>でアクセスするための準備作業</a:t>
-            </a:r>
-          </a:p>
-          <a:p>
-            <a:pPr marL="180000" lvl="1" indent="0">
-              <a:buNone/>
-            </a:pPr>
-            <a:endParaRPr lang="ja-JP" altLang="en-US"/>
-          </a:p>
-          <a:p>
-            <a:pPr lvl="1"/>
-            <a:r>
-              <a:rPr lang="ja-JP" altLang="en-US" smtClean="0"/>
-              <a:t>操作</a:t>
-            </a:r>
-            <a:r>
-              <a:rPr lang="ja-JP" altLang="en-US"/>
-              <a:t>端末（</a:t>
-            </a:r>
-            <a:r>
-              <a:rPr lang="en-US" altLang="ja-JP"/>
-              <a:t>Windows</a:t>
-            </a:r>
-            <a:r>
-              <a:rPr lang="ja-JP" altLang="en-US"/>
-              <a:t>）の</a:t>
-            </a:r>
-            <a:r>
-              <a:rPr lang="en-US" altLang="ja-JP"/>
-              <a:t>hosts</a:t>
-            </a:r>
-            <a:r>
-              <a:rPr lang="ja-JP" altLang="en-US"/>
-              <a:t>ファイルへ</a:t>
-            </a:r>
-            <a:r>
-              <a:rPr lang="en-US" altLang="ja-JP"/>
-              <a:t>OASE</a:t>
-            </a:r>
-            <a:r>
-              <a:rPr lang="ja-JP" altLang="en-US"/>
-              <a:t>実装サーバの</a:t>
-            </a:r>
-            <a:r>
-              <a:rPr lang="en-US" altLang="ja-JP"/>
-              <a:t>IP</a:t>
-            </a:r>
-            <a:r>
-              <a:rPr lang="ja-JP" altLang="en-US"/>
-              <a:t>アドレスとホスト名を設定してください。</a:t>
-            </a:r>
-            <a:endParaRPr lang="en-US" altLang="ja-JP"/>
-          </a:p>
-          <a:p>
-            <a:pPr lvl="1"/>
-            <a:r>
-              <a:rPr lang="en-US" altLang="ja-JP" smtClean="0"/>
-              <a:t>Windows10</a:t>
-            </a:r>
-            <a:r>
-              <a:rPr lang="ja-JP" altLang="ja-JP" smtClean="0"/>
-              <a:t>の</a:t>
-            </a:r>
-            <a:r>
-              <a:rPr lang="ja-JP" altLang="ja-JP"/>
-              <a:t>場合、以下の</a:t>
-            </a:r>
-            <a:r>
-              <a:rPr lang="en-US" altLang="ja-JP"/>
-              <a:t>hosts</a:t>
-            </a:r>
-            <a:r>
-              <a:rPr lang="ja-JP" altLang="ja-JP"/>
-              <a:t>ファイルとなります。</a:t>
-            </a:r>
-            <a:endParaRPr lang="en-US" altLang="ja-JP"/>
-          </a:p>
-          <a:p>
-            <a:pPr lvl="1"/>
-            <a:endParaRPr lang="en-US" altLang="ja-JP"/>
-          </a:p>
-          <a:p>
-            <a:pPr lvl="1"/>
-            <a:endParaRPr lang="en-US" altLang="ja-JP"/>
-          </a:p>
-          <a:p>
-            <a:pPr lvl="1"/>
-            <a:r>
-              <a:rPr lang="en-US" altLang="ja-JP"/>
-              <a:t>hosts</a:t>
-            </a:r>
-            <a:r>
-              <a:rPr lang="ja-JP" altLang="ja-JP"/>
-              <a:t>ファイルに以下の設定を追加してください。</a:t>
-            </a:r>
-            <a:endParaRPr lang="ja-JP" altLang="en-US"/>
-          </a:p>
-          <a:p>
-            <a:pPr lvl="1"/>
-            <a:endParaRPr kumimoji="1" lang="ja-JP" altLang="en-US"/>
-          </a:p>
-        </p:txBody>
-      </p:sp>
-      <p:graphicFrame>
-        <p:nvGraphicFramePr>
-          <p:cNvPr id="4" name="表 3"/>
-          <p:cNvGraphicFramePr>
-            <a:graphicFrameLocks noGrp="1"/>
-          </p:cNvGraphicFramePr>
-          <p:nvPr>
-            <p:extLst>
-              <p:ext uri="{D42A27DB-BD31-4B8C-83A1-F6EECF244321}">
-                <p14:modId xmlns:p14="http://schemas.microsoft.com/office/powerpoint/2010/main" val="3645004171"/>
-              </p:ext>
-            </p:extLst>
-          </p:nvPr>
-        </p:nvGraphicFramePr>
-        <p:xfrm>
-          <a:off x="1828630" y="4365130"/>
-          <a:ext cx="5485765" cy="316230"/>
-        </p:xfrm>
-        <a:graphic>
-          <a:graphicData uri="http://schemas.openxmlformats.org/drawingml/2006/table">
-            <a:tbl>
-              <a:tblPr firstRow="1" firstCol="1" bandRow="1">
-                <a:tableStyleId>{5C22544A-7EE6-4342-B048-85BDC9FD1C3A}</a:tableStyleId>
-              </a:tblPr>
-              <a:tblGrid>
-                <a:gridCol w="5485765">
-                  <a:extLst>
-                    <a:ext uri="{9D8B030D-6E8A-4147-A177-3AD203B41FA5}">
-                      <a16:colId xmlns:a16="http://schemas.microsoft.com/office/drawing/2014/main" val="20000"/>
-                    </a:ext>
-                  </a:extLst>
-                </a:gridCol>
-              </a:tblGrid>
-              <a:tr h="316230">
-                <a:tc>
-                  <a:txBody>
-                    <a:bodyPr/>
-                    <a:lstStyle/>
-                    <a:p>
-                      <a:pPr algn="just">
-                        <a:spcAft>
-                          <a:spcPts val="0"/>
-                        </a:spcAft>
-                      </a:pPr>
-                      <a:r>
-                        <a:rPr lang="en-US" sz="1050" kern="100">
-                          <a:effectLst/>
-                        </a:rPr>
-                        <a:t>C:\Windows\System32\drivers\etc\hosts</a:t>
-                      </a:r>
-                      <a:endParaRPr lang="ja-JP" sz="1050" kern="100">
-                        <a:effectLst/>
-                        <a:latin typeface="Century" panose="02040604050505020304" pitchFamily="18" charset="0"/>
-                        <a:ea typeface="ＭＳ 明朝" panose="02020609040205080304" pitchFamily="17" charset="-128"/>
-                        <a:cs typeface="Times New Roman" panose="02020603050405020304" pitchFamily="18" charset="0"/>
-                      </a:endParaRPr>
-                    </a:p>
-                  </a:txBody>
-                  <a:tcPr marL="68580" marR="68580" marT="0" marB="0" anchor="ctr">
-                    <a:solidFill>
-                      <a:srgbClr val="002B62"/>
-                    </a:solidFill>
-                  </a:tcPr>
-                </a:tc>
-                <a:extLst>
-                  <a:ext uri="{0D108BD9-81ED-4DB2-BD59-A6C34878D82A}">
-                    <a16:rowId xmlns:a16="http://schemas.microsoft.com/office/drawing/2014/main" val="10000"/>
-                  </a:ext>
-                </a:extLst>
-              </a:tr>
-            </a:tbl>
-          </a:graphicData>
-        </a:graphic>
-      </p:graphicFrame>
-      <p:graphicFrame>
-        <p:nvGraphicFramePr>
-          <p:cNvPr id="5" name="表 4"/>
-          <p:cNvGraphicFramePr>
-            <a:graphicFrameLocks noGrp="1"/>
-          </p:cNvGraphicFramePr>
-          <p:nvPr>
-            <p:extLst>
-              <p:ext uri="{D42A27DB-BD31-4B8C-83A1-F6EECF244321}">
-                <p14:modId xmlns:p14="http://schemas.microsoft.com/office/powerpoint/2010/main" val="350487754"/>
-              </p:ext>
-            </p:extLst>
-          </p:nvPr>
-        </p:nvGraphicFramePr>
-        <p:xfrm>
-          <a:off x="1907630" y="5363155"/>
-          <a:ext cx="5485765" cy="936130"/>
-        </p:xfrm>
-        <a:graphic>
-          <a:graphicData uri="http://schemas.openxmlformats.org/drawingml/2006/table">
-            <a:tbl>
-              <a:tblPr firstRow="1" firstCol="1" bandRow="1">
-                <a:tableStyleId>{5C22544A-7EE6-4342-B048-85BDC9FD1C3A}</a:tableStyleId>
-              </a:tblPr>
-              <a:tblGrid>
-                <a:gridCol w="5485765">
-                  <a:extLst>
-                    <a:ext uri="{9D8B030D-6E8A-4147-A177-3AD203B41FA5}">
-                      <a16:colId xmlns:a16="http://schemas.microsoft.com/office/drawing/2014/main" val="20000"/>
-                    </a:ext>
-                  </a:extLst>
-                </a:gridCol>
-              </a:tblGrid>
-              <a:tr h="936130">
-                <a:tc>
-                  <a:txBody>
-                    <a:bodyPr/>
-                    <a:lstStyle/>
-                    <a:p>
-                      <a:pPr algn="l">
-                        <a:spcAft>
-                          <a:spcPts val="0"/>
-                        </a:spcAft>
-                      </a:pPr>
-                      <a:r>
-                        <a:rPr lang="en-US" sz="1050" kern="100">
-                          <a:effectLst/>
-                        </a:rPr>
-                        <a:t>“OASE</a:t>
-                      </a:r>
-                      <a:r>
-                        <a:rPr lang="ja-JP" sz="1050" kern="100">
-                          <a:effectLst/>
-                        </a:rPr>
-                        <a:t>実装サーバの</a:t>
-                      </a:r>
-                      <a:r>
-                        <a:rPr lang="en-US" sz="1050" kern="100">
-                          <a:effectLst/>
-                        </a:rPr>
-                        <a:t>IP</a:t>
-                      </a:r>
-                      <a:r>
-                        <a:rPr lang="ja-JP" sz="1050" kern="100">
-                          <a:effectLst/>
-                        </a:rPr>
-                        <a:t>アドレス</a:t>
-                      </a:r>
-                      <a:r>
-                        <a:rPr lang="en-US" sz="1050" kern="100">
-                          <a:effectLst/>
-                        </a:rPr>
-                        <a:t>”</a:t>
-                      </a:r>
-                      <a:r>
-                        <a:rPr lang="ja-JP" sz="1050" kern="100">
-                          <a:effectLst/>
-                        </a:rPr>
-                        <a:t>　</a:t>
-                      </a:r>
-                      <a:r>
-                        <a:rPr lang="ja-JP" sz="1050" kern="0">
-                          <a:effectLst/>
-                        </a:rPr>
-                        <a:t> </a:t>
-                      </a:r>
-                      <a:r>
-                        <a:rPr lang="en-US" altLang="ja-JP" sz="1050" kern="0" err="1">
-                          <a:effectLst/>
-                        </a:rPr>
-                        <a:t>exastro</a:t>
-                      </a:r>
-                      <a:r>
-                        <a:rPr lang="en-US" sz="1050" kern="0" err="1">
-                          <a:effectLst/>
-                        </a:rPr>
-                        <a:t>-oase</a:t>
-                      </a:r>
-                      <a:r>
-                        <a:rPr lang="en-US" sz="1050" kern="0">
-                          <a:effectLst/>
-                        </a:rPr>
-                        <a:t/>
-                      </a:r>
-                      <a:br>
-                        <a:rPr lang="en-US" sz="1050" kern="0">
-                          <a:effectLst/>
-                        </a:rPr>
-                      </a:br>
-                      <a:r>
-                        <a:rPr lang="en-US" sz="1050" kern="0">
-                          <a:effectLst/>
-                        </a:rPr>
-                        <a:t/>
-                      </a:r>
-                      <a:br>
-                        <a:rPr lang="en-US" sz="1050" kern="0">
-                          <a:effectLst/>
-                        </a:rPr>
-                      </a:br>
-                      <a:r>
-                        <a:rPr lang="ja-JP" sz="1050" kern="0">
-                          <a:effectLst/>
-                        </a:rPr>
-                        <a:t>例</a:t>
-                      </a:r>
-                      <a:r>
-                        <a:rPr lang="ja-JP" altLang="en-US" sz="1050" kern="0">
-                          <a:effectLst/>
-                        </a:rPr>
-                        <a:t>）</a:t>
-                      </a:r>
-                      <a:r>
-                        <a:rPr lang="en-US" sz="1050" kern="0">
-                          <a:effectLst/>
-                        </a:rPr>
-                        <a:t/>
-                      </a:r>
-                      <a:br>
-                        <a:rPr lang="en-US" sz="1050" kern="0">
-                          <a:effectLst/>
-                        </a:rPr>
-                      </a:br>
-                      <a:r>
-                        <a:rPr lang="en-US" sz="1050" kern="0">
-                          <a:effectLst/>
-                        </a:rPr>
-                        <a:t>192.168.0.3 </a:t>
-                      </a:r>
-                      <a:r>
-                        <a:rPr lang="ja-JP" sz="1050" kern="0">
-                          <a:effectLst/>
-                        </a:rPr>
-                        <a:t>　</a:t>
-                      </a:r>
-                      <a:r>
-                        <a:rPr lang="en-US" altLang="ja-JP" sz="1050" kern="0" err="1">
-                          <a:effectLst/>
-                        </a:rPr>
-                        <a:t>exastro-oase</a:t>
-                      </a:r>
-                      <a:endParaRPr lang="ja-JP" sz="1050" kern="100">
-                        <a:effectLst/>
-                        <a:latin typeface="Century" panose="02040604050505020304" pitchFamily="18" charset="0"/>
-                        <a:ea typeface="ＭＳ 明朝" panose="02020609040205080304" pitchFamily="17" charset="-128"/>
-                        <a:cs typeface="Times New Roman" panose="02020603050405020304" pitchFamily="18" charset="0"/>
-                      </a:endParaRPr>
-                    </a:p>
-                  </a:txBody>
-                  <a:tcPr marL="68580" marR="68580" marT="0" marB="0" anchor="ctr">
-                    <a:solidFill>
-                      <a:srgbClr val="002B62"/>
-                    </a:solidFill>
-                  </a:tcPr>
-                </a:tc>
-                <a:extLst>
-                  <a:ext uri="{0D108BD9-81ED-4DB2-BD59-A6C34878D82A}">
-                    <a16:rowId xmlns:a16="http://schemas.microsoft.com/office/drawing/2014/main" val="10000"/>
-                  </a:ext>
-                </a:extLst>
-              </a:tr>
-            </a:tbl>
-          </a:graphicData>
-        </a:graphic>
-      </p:graphicFrame>
-    </p:spTree>
-    <p:extLst>
-      <p:ext uri="{BB962C8B-B14F-4D97-AF65-F5344CB8AC3E}">
-        <p14:creationId xmlns:p14="http://schemas.microsoft.com/office/powerpoint/2010/main" val="292228486"/>
-      </p:ext>
-    </p:extLst>
-  </p:cSld>
-  <p:clrMapOvr>
-    <a:masterClrMapping/>
-  </p:clrMapOvr>
-</p:sld>
-</file>
-
-<file path=ppt/slides/slide31.xml><?xml version="1.0" encoding="utf-8"?>
-<p:sld xmlns:a="http://schemas.openxmlformats.org/drawingml/2006/main" xmlns:r="http://schemas.openxmlformats.org/officeDocument/2006/relationships" xmlns:p="http://schemas.openxmlformats.org/presentationml/2006/main">
-  <p:cSld>
-    <p:spTree>
-      <p:nvGrpSpPr>
-        <p:cNvPr id="1" name=""/>
-        <p:cNvGrpSpPr/>
-        <p:nvPr/>
-      </p:nvGrpSpPr>
-      <p:grpSpPr>
-        <a:xfrm>
-          <a:off x="0" y="0"/>
-          <a:ext cx="0" cy="0"/>
-          <a:chOff x="0" y="0"/>
-          <a:chExt cx="0" cy="0"/>
-        </a:xfrm>
-      </p:grpSpPr>
-      <p:sp>
-        <p:nvSpPr>
-          <p:cNvPr id="2" name="タイトル 1"/>
-          <p:cNvSpPr>
-            <a:spLocks noGrp="1"/>
-          </p:cNvSpPr>
-          <p:nvPr>
-            <p:ph type="title"/>
-          </p:nvPr>
-        </p:nvSpPr>
-        <p:spPr/>
-        <p:txBody>
-          <a:bodyPr/>
-          <a:lstStyle/>
-          <a:p>
-            <a:r>
-              <a:rPr lang="en-US" altLang="ja-JP"/>
-              <a:t>4.2</a:t>
-            </a:r>
-            <a:r>
-              <a:rPr lang="ja-JP" altLang="en-US"/>
-              <a:t>　動作確認</a:t>
-            </a:r>
-            <a:r>
-              <a:rPr lang="ja-JP" altLang="en-US" smtClean="0"/>
-              <a:t>（</a:t>
-            </a:r>
-            <a:r>
-              <a:rPr lang="en-US" altLang="ja-JP"/>
-              <a:t>2</a:t>
-            </a:r>
-            <a:r>
-              <a:rPr lang="en-US" altLang="ja-JP" smtClean="0"/>
-              <a:t>/7</a:t>
-            </a:r>
-            <a:r>
-              <a:rPr lang="ja-JP" altLang="en-US" smtClean="0"/>
-              <a:t>） </a:t>
-            </a:r>
-            <a:endParaRPr kumimoji="1" lang="ja-JP" altLang="en-US"/>
-          </a:p>
-        </p:txBody>
-      </p:sp>
-      <p:sp>
-        <p:nvSpPr>
-          <p:cNvPr id="3" name="コンテンツ プレースホルダー 2"/>
-          <p:cNvSpPr>
-            <a:spLocks noGrp="1"/>
-          </p:cNvSpPr>
-          <p:nvPr>
-            <p:ph sz="quarter" idx="10"/>
-          </p:nvPr>
-        </p:nvSpPr>
-        <p:spPr>
-          <a:xfrm>
-            <a:off x="179512" y="836712"/>
-            <a:ext cx="8964488" cy="5616476"/>
-          </a:xfrm>
-        </p:spPr>
-        <p:txBody>
-          <a:bodyPr>
-            <a:normAutofit fontScale="92500" lnSpcReduction="20000"/>
-          </a:bodyPr>
-          <a:lstStyle/>
-          <a:p>
-            <a:r>
-              <a:rPr lang="ja-JP" altLang="ja-JP"/>
-              <a:t>操作端末（</a:t>
-            </a:r>
-            <a:r>
-              <a:rPr lang="en-US" altLang="ja-JP"/>
-              <a:t>Windows</a:t>
-            </a:r>
-            <a:r>
-              <a:rPr lang="ja-JP" altLang="ja-JP"/>
-              <a:t>）</a:t>
-            </a:r>
-            <a:r>
-              <a:rPr lang="ja-JP" altLang="en-US"/>
-              <a:t>への</a:t>
-            </a:r>
-            <a:r>
-              <a:rPr lang="ja-JP" altLang="ja-JP"/>
-              <a:t>証明書インポート</a:t>
-            </a:r>
-            <a:endParaRPr lang="en-US" altLang="ja-JP"/>
-          </a:p>
-          <a:p>
-            <a:pPr lvl="1"/>
-            <a:r>
-              <a:rPr lang="ja-JP" altLang="ja-JP"/>
-              <a:t>証明書は</a:t>
-            </a:r>
-            <a:r>
-              <a:rPr lang="en-US" altLang="ja-JP"/>
-              <a:t>OASE</a:t>
-            </a:r>
-            <a:r>
-              <a:rPr lang="ja-JP" altLang="ja-JP"/>
-              <a:t>インストールパッケージの以下のパスに格納されています。</a:t>
-            </a:r>
-          </a:p>
-          <a:p>
-            <a:pPr lvl="1"/>
-            <a:r>
-              <a:rPr lang="en-US" altLang="ja-JP"/>
-              <a:t>FFFTP </a:t>
-            </a:r>
-            <a:r>
-              <a:rPr lang="ja-JP" altLang="ja-JP"/>
-              <a:t>、</a:t>
-            </a:r>
-            <a:r>
-              <a:rPr lang="en-US" altLang="ja-JP"/>
-              <a:t>WinSCP</a:t>
-            </a:r>
-            <a:r>
-              <a:rPr lang="ja-JP" altLang="ja-JP"/>
-              <a:t>などのツールを利用し操作端末にダウンロードします。</a:t>
-            </a:r>
-          </a:p>
-          <a:p>
-            <a:pPr marL="180000" lvl="1" indent="0">
-              <a:buNone/>
-            </a:pPr>
-            <a:endParaRPr lang="en-US" altLang="ja-JP"/>
-          </a:p>
-          <a:p>
-            <a:pPr marL="180000" lvl="1" indent="0">
-              <a:buNone/>
-            </a:pPr>
-            <a:endParaRPr lang="en-US" altLang="ja-JP"/>
-          </a:p>
-          <a:p>
-            <a:pPr marL="180000" lvl="1" indent="0">
-              <a:buNone/>
-            </a:pPr>
-            <a:endParaRPr lang="en-US" altLang="ja-JP"/>
-          </a:p>
-          <a:p>
-            <a:pPr marL="180000" lvl="1" indent="0">
-              <a:buNone/>
-            </a:pPr>
-            <a:endParaRPr lang="en-US" altLang="ja-JP"/>
-          </a:p>
-          <a:p>
-            <a:pPr marL="180000" lvl="1" indent="0">
-              <a:buNone/>
-            </a:pPr>
-            <a:endParaRPr lang="en-US" altLang="ja-JP"/>
-          </a:p>
-          <a:p>
-            <a:pPr lvl="1"/>
-            <a:r>
-              <a:rPr lang="en-US" altLang="ja-JP"/>
-              <a:t>Web</a:t>
-            </a:r>
-            <a:r>
-              <a:rPr lang="ja-JP" altLang="ja-JP"/>
-              <a:t>ブラウザに証明書のインポートをしてください。</a:t>
-            </a:r>
-          </a:p>
-          <a:p>
-            <a:pPr lvl="1"/>
-            <a:r>
-              <a:rPr lang="en-US" altLang="ja-JP"/>
-              <a:t>Google Chrome</a:t>
-            </a:r>
-            <a:r>
-              <a:rPr lang="ja-JP" altLang="ja-JP"/>
-              <a:t>にインポートする手順</a:t>
-            </a:r>
-            <a:r>
-              <a:rPr lang="ja-JP" altLang="en-US"/>
-              <a:t>を</a:t>
-            </a:r>
-            <a:r>
-              <a:rPr lang="ja-JP" altLang="ja-JP"/>
-              <a:t>以下</a:t>
-            </a:r>
-            <a:r>
-              <a:rPr lang="ja-JP" altLang="en-US"/>
-              <a:t>に示します。</a:t>
-            </a:r>
-            <a:endParaRPr lang="en-US" altLang="ja-JP"/>
-          </a:p>
-          <a:p>
-            <a:pPr marL="180000" lvl="1" indent="0">
-              <a:buNone/>
-            </a:pPr>
-            <a:endParaRPr lang="en-US" altLang="ja-JP"/>
-          </a:p>
-          <a:p>
-            <a:pPr marL="180000" lvl="1" indent="0">
-              <a:buNone/>
-            </a:pPr>
-            <a:r>
-              <a:rPr lang="ja-JP" altLang="en-US"/>
-              <a:t>　①　</a:t>
-            </a:r>
-            <a:r>
-              <a:rPr lang="en-US" altLang="ja-JP"/>
-              <a:t>Google Chrome</a:t>
-            </a:r>
-            <a:r>
-              <a:rPr lang="ja-JP" altLang="en-US"/>
-              <a:t>を起動し、右上の</a:t>
-            </a:r>
-            <a:r>
-              <a:rPr lang="en-US" altLang="ja-JP"/>
-              <a:t>[</a:t>
-            </a:r>
-            <a:r>
-              <a:rPr lang="ja-JP" altLang="en-US"/>
-              <a:t>設定</a:t>
-            </a:r>
-            <a:r>
-              <a:rPr lang="en-US" altLang="ja-JP"/>
-              <a:t>]</a:t>
-            </a:r>
-            <a:r>
-              <a:rPr lang="ja-JP" altLang="en-US"/>
-              <a:t>ボタンから</a:t>
-            </a:r>
-            <a:r>
-              <a:rPr lang="en-US" altLang="ja-JP"/>
-              <a:t>[</a:t>
-            </a:r>
-            <a:r>
-              <a:rPr lang="ja-JP" altLang="en-US"/>
-              <a:t>設定</a:t>
-            </a:r>
-            <a:r>
-              <a:rPr lang="en-US" altLang="ja-JP"/>
-              <a:t>(S)]</a:t>
-            </a:r>
-            <a:r>
-              <a:rPr lang="ja-JP" altLang="en-US"/>
-              <a:t>へ進みます。</a:t>
-            </a:r>
-            <a:endParaRPr lang="en-US" altLang="ja-JP"/>
-          </a:p>
-          <a:p>
-            <a:pPr marL="180000" lvl="1" indent="0">
-              <a:buNone/>
-            </a:pPr>
-            <a:r>
-              <a:rPr lang="ja-JP" altLang="en-US"/>
-              <a:t>　②　プライバシ</a:t>
-            </a:r>
-            <a:r>
-              <a:rPr lang="ja-JP" altLang="en-US" smtClean="0"/>
-              <a:t>ーとセキュリティの</a:t>
-            </a:r>
-            <a:r>
-              <a:rPr lang="en-US" altLang="ja-JP" smtClean="0"/>
-              <a:t>[</a:t>
-            </a:r>
-            <a:r>
-              <a:rPr lang="ja-JP" altLang="en-US" smtClean="0"/>
-              <a:t>もっと</a:t>
-            </a:r>
-            <a:r>
-              <a:rPr lang="ja-JP" altLang="en-US"/>
-              <a:t>見</a:t>
-            </a:r>
-            <a:r>
-              <a:rPr lang="ja-JP" altLang="en-US" smtClean="0"/>
-              <a:t>る</a:t>
-            </a:r>
-            <a:r>
-              <a:rPr lang="en-US" altLang="ja-JP" smtClean="0"/>
-              <a:t>]</a:t>
-            </a:r>
-            <a:r>
-              <a:rPr lang="ja-JP" altLang="en-US"/>
-              <a:t>をクリック後、表示される項目から</a:t>
-            </a:r>
-            <a:r>
-              <a:rPr lang="en-US" altLang="ja-JP"/>
-              <a:t>[</a:t>
-            </a:r>
-            <a:r>
-              <a:rPr lang="ja-JP" altLang="en-US"/>
-              <a:t>証明書の</a:t>
-            </a:r>
-            <a:r>
-              <a:rPr lang="ja-JP" altLang="en-US" smtClean="0"/>
-              <a:t>管</a:t>
-            </a:r>
-            <a:endParaRPr lang="en-US" altLang="ja-JP" smtClean="0"/>
-          </a:p>
-          <a:p>
-            <a:pPr marL="180000" lvl="1" indent="0">
-              <a:buNone/>
-            </a:pPr>
-            <a:r>
-              <a:rPr lang="ja-JP" altLang="en-US"/>
-              <a:t>　</a:t>
-            </a:r>
-            <a:r>
-              <a:rPr lang="ja-JP" altLang="en-US" smtClean="0"/>
-              <a:t>　　理</a:t>
-            </a:r>
-            <a:r>
-              <a:rPr lang="en-US" altLang="ja-JP"/>
-              <a:t>]</a:t>
-            </a:r>
-            <a:r>
-              <a:rPr lang="ja-JP" altLang="en-US"/>
-              <a:t>をクリックします。</a:t>
-            </a:r>
-            <a:endParaRPr lang="ja-JP" altLang="ja-JP"/>
-          </a:p>
-          <a:p>
-            <a:pPr marL="357188" lvl="1" indent="0">
-              <a:buNone/>
-            </a:pPr>
-            <a:r>
-              <a:rPr lang="ja-JP" altLang="en-US"/>
-              <a:t>③　</a:t>
-            </a:r>
-            <a:r>
-              <a:rPr lang="en-US" altLang="ja-JP"/>
-              <a:t>[</a:t>
-            </a:r>
-            <a:r>
-              <a:rPr lang="ja-JP" altLang="en-US"/>
-              <a:t>信頼されたルート証明機関</a:t>
-            </a:r>
-            <a:r>
-              <a:rPr lang="en-US" altLang="ja-JP"/>
-              <a:t>]</a:t>
-            </a:r>
-            <a:r>
-              <a:rPr lang="ja-JP" altLang="en-US"/>
-              <a:t>タブへ進み、左下の</a:t>
-            </a:r>
-            <a:r>
-              <a:rPr lang="en-US" altLang="ja-JP"/>
-              <a:t>[</a:t>
-            </a:r>
-            <a:r>
-              <a:rPr lang="ja-JP" altLang="en-US"/>
-              <a:t>インポート</a:t>
-            </a:r>
-            <a:r>
-              <a:rPr lang="en-US" altLang="ja-JP"/>
-              <a:t>]</a:t>
-            </a:r>
-            <a:r>
-              <a:rPr lang="ja-JP" altLang="en-US"/>
-              <a:t>をクリックします。</a:t>
-            </a:r>
-            <a:endParaRPr lang="en-US" altLang="ja-JP"/>
-          </a:p>
-          <a:p>
-            <a:pPr marL="357188" lvl="1" indent="0">
-              <a:buNone/>
-            </a:pPr>
-            <a:r>
-              <a:rPr lang="ja-JP" altLang="en-US"/>
-              <a:t>④　証明書のインポートウィザードが起動します。</a:t>
-            </a:r>
-            <a:r>
-              <a:rPr lang="en-US" altLang="ja-JP"/>
-              <a:t>[</a:t>
-            </a:r>
-            <a:r>
-              <a:rPr lang="ja-JP" altLang="en-US"/>
-              <a:t>次へ</a:t>
-            </a:r>
-            <a:r>
-              <a:rPr lang="en-US" altLang="ja-JP"/>
-              <a:t>]</a:t>
-            </a:r>
-            <a:r>
-              <a:rPr lang="ja-JP" altLang="en-US"/>
-              <a:t>をクリックします。</a:t>
-            </a:r>
-            <a:endParaRPr lang="en-US" altLang="ja-JP"/>
-          </a:p>
-          <a:p>
-            <a:pPr marL="357188" lvl="1" indent="0">
-              <a:buNone/>
-            </a:pPr>
-            <a:r>
-              <a:rPr lang="ja-JP" altLang="en-US"/>
-              <a:t>⑤　インポートするファイル名を指定し、</a:t>
-            </a:r>
-            <a:r>
-              <a:rPr lang="en-US" altLang="ja-JP"/>
-              <a:t>[</a:t>
-            </a:r>
-            <a:r>
-              <a:rPr lang="ja-JP" altLang="en-US"/>
-              <a:t>次へ</a:t>
-            </a:r>
-            <a:r>
-              <a:rPr lang="en-US" altLang="ja-JP"/>
-              <a:t>]</a:t>
-            </a:r>
-            <a:r>
-              <a:rPr lang="ja-JP" altLang="en-US"/>
-              <a:t>をクリックします。</a:t>
-            </a:r>
-            <a:endParaRPr lang="en-US" altLang="ja-JP"/>
-          </a:p>
-          <a:p>
-            <a:pPr marL="357188" lvl="1" indent="0">
-              <a:buNone/>
-            </a:pPr>
-            <a:r>
-              <a:rPr lang="ja-JP" altLang="en-US"/>
-              <a:t>⑥　</a:t>
-            </a:r>
-            <a:r>
-              <a:rPr lang="en-US" altLang="ja-JP"/>
-              <a:t>[</a:t>
-            </a:r>
-            <a:r>
-              <a:rPr lang="ja-JP" altLang="en-US"/>
-              <a:t>証明書をすべての次のストアに配置する</a:t>
-            </a:r>
-            <a:r>
-              <a:rPr lang="en-US" altLang="ja-JP"/>
-              <a:t>(P)]</a:t>
-            </a:r>
-            <a:r>
-              <a:rPr lang="ja-JP" altLang="en-US"/>
-              <a:t>をチェックされている状態を確認します。</a:t>
-            </a:r>
-            <a:endParaRPr lang="en-US" altLang="ja-JP"/>
-          </a:p>
-          <a:p>
-            <a:pPr marL="357188" lvl="1" indent="0">
-              <a:buNone/>
-            </a:pPr>
-            <a:r>
-              <a:rPr lang="ja-JP" altLang="en-US"/>
-              <a:t>⑦　</a:t>
-            </a:r>
-            <a:r>
-              <a:rPr lang="en-US" altLang="ja-JP"/>
-              <a:t>[</a:t>
-            </a:r>
-            <a:r>
-              <a:rPr lang="ja-JP" altLang="en-US"/>
-              <a:t>信頼されたルート証明機関</a:t>
-            </a:r>
-            <a:r>
-              <a:rPr lang="en-US" altLang="ja-JP"/>
-              <a:t>]</a:t>
-            </a:r>
-            <a:r>
-              <a:rPr lang="ja-JP" altLang="en-US"/>
-              <a:t>を選択し、</a:t>
-            </a:r>
-            <a:r>
-              <a:rPr lang="en-US" altLang="ja-JP"/>
-              <a:t>[</a:t>
-            </a:r>
-            <a:r>
-              <a:rPr lang="ja-JP" altLang="en-US"/>
-              <a:t>次へ</a:t>
-            </a:r>
-            <a:r>
-              <a:rPr lang="en-US" altLang="ja-JP"/>
-              <a:t>]</a:t>
-            </a:r>
-            <a:r>
-              <a:rPr lang="ja-JP" altLang="en-US"/>
-              <a:t>をクリックします。</a:t>
-            </a:r>
-            <a:endParaRPr lang="en-US" altLang="ja-JP"/>
-          </a:p>
-          <a:p>
-            <a:pPr marL="357188" lvl="1" indent="0">
-              <a:buNone/>
-            </a:pPr>
-            <a:r>
-              <a:rPr lang="en-US" altLang="ja-JP"/>
-              <a:t>※</a:t>
-            </a:r>
-            <a:r>
-              <a:rPr lang="ja-JP" altLang="en-US"/>
-              <a:t>選択されていない場合は右の</a:t>
-            </a:r>
-            <a:r>
-              <a:rPr lang="en-US" altLang="ja-JP"/>
-              <a:t>[</a:t>
-            </a:r>
-            <a:r>
-              <a:rPr lang="ja-JP" altLang="en-US"/>
-              <a:t>参照</a:t>
-            </a:r>
-            <a:r>
-              <a:rPr lang="en-US" altLang="ja-JP"/>
-              <a:t>(R)]</a:t>
-            </a:r>
-            <a:r>
-              <a:rPr lang="ja-JP" altLang="en-US"/>
-              <a:t>から</a:t>
-            </a:r>
-            <a:r>
-              <a:rPr lang="en-US" altLang="ja-JP"/>
-              <a:t>[</a:t>
-            </a:r>
-            <a:r>
-              <a:rPr lang="ja-JP" altLang="ja-JP"/>
-              <a:t>信頼されたルート証明機関</a:t>
-            </a:r>
-            <a:r>
-              <a:rPr lang="en-US" altLang="ja-JP"/>
-              <a:t>]</a:t>
-            </a:r>
-            <a:r>
-              <a:rPr lang="ja-JP" altLang="en-US"/>
-              <a:t>を選択してください。</a:t>
-            </a:r>
-            <a:endParaRPr lang="en-US" altLang="ja-JP"/>
-          </a:p>
-          <a:p>
-            <a:pPr marL="357188" lvl="1" indent="0">
-              <a:buNone/>
-            </a:pPr>
-            <a:r>
-              <a:rPr lang="ja-JP" altLang="en-US"/>
-              <a:t>⑧　</a:t>
-            </a:r>
-            <a:r>
-              <a:rPr lang="en-US" altLang="ja-JP"/>
-              <a:t>[</a:t>
-            </a:r>
-            <a:r>
-              <a:rPr lang="ja-JP" altLang="en-US"/>
-              <a:t>完了</a:t>
-            </a:r>
-            <a:r>
-              <a:rPr lang="en-US" altLang="ja-JP"/>
-              <a:t>]</a:t>
-            </a:r>
-            <a:r>
-              <a:rPr lang="ja-JP" altLang="en-US"/>
-              <a:t>をクリックします。</a:t>
-            </a:r>
-            <a:endParaRPr lang="ja-JP" altLang="ja-JP"/>
-          </a:p>
-        </p:txBody>
-      </p:sp>
-      <p:graphicFrame>
-        <p:nvGraphicFramePr>
-          <p:cNvPr id="6" name="表 5"/>
-          <p:cNvGraphicFramePr>
-            <a:graphicFrameLocks noGrp="1"/>
-          </p:cNvGraphicFramePr>
-          <p:nvPr>
-            <p:extLst>
-              <p:ext uri="{D42A27DB-BD31-4B8C-83A1-F6EECF244321}">
-                <p14:modId xmlns:p14="http://schemas.microsoft.com/office/powerpoint/2010/main" val="4019569878"/>
-              </p:ext>
-            </p:extLst>
-          </p:nvPr>
-        </p:nvGraphicFramePr>
-        <p:xfrm>
-          <a:off x="1207459" y="1836779"/>
-          <a:ext cx="6729082" cy="653247"/>
-        </p:xfrm>
-        <a:graphic>
-          <a:graphicData uri="http://schemas.openxmlformats.org/drawingml/2006/table">
-            <a:tbl>
-              <a:tblPr firstRow="1" firstCol="1" bandRow="1">
-                <a:tableStyleId>{5C22544A-7EE6-4342-B048-85BDC9FD1C3A}</a:tableStyleId>
-              </a:tblPr>
-              <a:tblGrid>
-                <a:gridCol w="1581792">
-                  <a:extLst>
-                    <a:ext uri="{9D8B030D-6E8A-4147-A177-3AD203B41FA5}">
-                      <a16:colId xmlns:a16="http://schemas.microsoft.com/office/drawing/2014/main" val="20000"/>
-                    </a:ext>
-                  </a:extLst>
-                </a:gridCol>
-                <a:gridCol w="3269829">
-                  <a:extLst>
-                    <a:ext uri="{9D8B030D-6E8A-4147-A177-3AD203B41FA5}">
-                      <a16:colId xmlns:a16="http://schemas.microsoft.com/office/drawing/2014/main" val="20001"/>
-                    </a:ext>
-                  </a:extLst>
-                </a:gridCol>
-                <a:gridCol w="1877461">
-                  <a:extLst>
-                    <a:ext uri="{9D8B030D-6E8A-4147-A177-3AD203B41FA5}">
-                      <a16:colId xmlns:a16="http://schemas.microsoft.com/office/drawing/2014/main" val="20002"/>
-                    </a:ext>
-                  </a:extLst>
-                </a:gridCol>
-              </a:tblGrid>
-              <a:tr h="288039">
-                <a:tc>
-                  <a:txBody>
-                    <a:bodyPr/>
-                    <a:lstStyle/>
-                    <a:p>
-                      <a:pPr algn="ctr">
-                        <a:spcAft>
-                          <a:spcPts val="0"/>
-                        </a:spcAft>
-                      </a:pPr>
-                      <a:r>
-                        <a:rPr lang="en-US" altLang="ja-JP" sz="1050" kern="100">
-                          <a:effectLst/>
-                        </a:rPr>
-                        <a:t>OASE</a:t>
-                      </a:r>
-                      <a:r>
-                        <a:rPr lang="ja-JP" sz="1050" kern="100">
-                          <a:effectLst/>
-                        </a:rPr>
-                        <a:t>サーバの</a:t>
-                      </a:r>
-                      <a:r>
-                        <a:rPr lang="en-US" sz="1050" kern="100">
-                          <a:effectLst/>
-                        </a:rPr>
-                        <a:t>OS</a:t>
-                      </a:r>
-                      <a:endParaRPr lang="ja-JP" sz="1050" kern="100">
-                        <a:effectLst/>
-                        <a:latin typeface="Century" panose="02040604050505020304" pitchFamily="18" charset="0"/>
-                        <a:ea typeface="ＭＳ 明朝" panose="02020609040205080304" pitchFamily="17" charset="-128"/>
-                        <a:cs typeface="Times New Roman" panose="02020603050405020304" pitchFamily="18" charset="0"/>
-                      </a:endParaRPr>
-                    </a:p>
-                  </a:txBody>
-                  <a:tcPr marL="68580" marR="68580" marT="0" marB="0" anchor="ctr">
-                    <a:solidFill>
-                      <a:srgbClr val="002B62"/>
-                    </a:solidFill>
-                  </a:tcPr>
-                </a:tc>
-                <a:tc>
-                  <a:txBody>
-                    <a:bodyPr/>
-                    <a:lstStyle/>
-                    <a:p>
-                      <a:pPr algn="ctr">
-                        <a:spcAft>
-                          <a:spcPts val="0"/>
-                        </a:spcAft>
-                      </a:pPr>
-                      <a:r>
-                        <a:rPr lang="ja-JP" sz="1050" kern="100">
-                          <a:effectLst/>
-                        </a:rPr>
-                        <a:t>ファイルパス</a:t>
-                      </a:r>
-                      <a:endParaRPr lang="ja-JP" sz="1050" kern="100">
-                        <a:effectLst/>
-                        <a:latin typeface="Century" panose="02040604050505020304" pitchFamily="18" charset="0"/>
-                        <a:ea typeface="ＭＳ 明朝" panose="02020609040205080304" pitchFamily="17" charset="-128"/>
-                        <a:cs typeface="Times New Roman" panose="02020603050405020304" pitchFamily="18" charset="0"/>
-                      </a:endParaRPr>
-                    </a:p>
-                  </a:txBody>
-                  <a:tcPr marL="68580" marR="68580" marT="0" marB="0" anchor="ctr">
-                    <a:solidFill>
-                      <a:srgbClr val="002B62"/>
-                    </a:solidFill>
-                  </a:tcPr>
-                </a:tc>
-                <a:tc>
-                  <a:txBody>
-                    <a:bodyPr/>
-                    <a:lstStyle/>
-                    <a:p>
-                      <a:pPr algn="ctr">
-                        <a:spcAft>
-                          <a:spcPts val="0"/>
-                        </a:spcAft>
-                      </a:pPr>
-                      <a:r>
-                        <a:rPr lang="ja-JP" sz="1050" kern="100">
-                          <a:effectLst/>
-                        </a:rPr>
-                        <a:t>ファイル名</a:t>
-                      </a:r>
-                      <a:endParaRPr lang="ja-JP" sz="1050" kern="100">
-                        <a:effectLst/>
-                        <a:latin typeface="Century" panose="02040604050505020304" pitchFamily="18" charset="0"/>
-                        <a:ea typeface="ＭＳ 明朝" panose="02020609040205080304" pitchFamily="17" charset="-128"/>
-                        <a:cs typeface="Times New Roman" panose="02020603050405020304" pitchFamily="18" charset="0"/>
-                      </a:endParaRPr>
-                    </a:p>
-                  </a:txBody>
-                  <a:tcPr marL="68580" marR="68580" marT="0" marB="0" anchor="ctr">
-                    <a:solidFill>
-                      <a:srgbClr val="002B62"/>
-                    </a:solidFill>
-                  </a:tcPr>
-                </a:tc>
-                <a:extLst>
-                  <a:ext uri="{0D108BD9-81ED-4DB2-BD59-A6C34878D82A}">
-                    <a16:rowId xmlns:a16="http://schemas.microsoft.com/office/drawing/2014/main" val="10000"/>
-                  </a:ext>
-                </a:extLst>
-              </a:tr>
-              <a:tr h="365208">
-                <a:tc>
-                  <a:txBody>
-                    <a:bodyPr/>
-                    <a:lstStyle/>
-                    <a:p>
-                      <a:pPr algn="l" latinLnBrk="1">
-                        <a:spcAft>
-                          <a:spcPts val="0"/>
-                        </a:spcAft>
-                      </a:pPr>
-                      <a:r>
-                        <a:rPr lang="en-US" sz="900" kern="100">
-                          <a:effectLst/>
-                        </a:rPr>
-                        <a:t>RHEL 7, CentOS 7</a:t>
-                      </a:r>
-                      <a:r>
-                        <a:rPr lang="ja-JP" sz="900" kern="100">
-                          <a:effectLst/>
-                        </a:rPr>
-                        <a:t>系</a:t>
-                      </a:r>
-                      <a:endParaRPr lang="ja-JP" sz="1050" kern="100">
-                        <a:effectLst/>
-                        <a:latin typeface="Century" panose="02040604050505020304" pitchFamily="18" charset="0"/>
-                        <a:ea typeface="ＭＳ 明朝" panose="02020609040205080304" pitchFamily="17" charset="-128"/>
-                        <a:cs typeface="Times New Roman" panose="02020603050405020304" pitchFamily="18" charset="0"/>
-                      </a:endParaRPr>
-                    </a:p>
-                  </a:txBody>
-                  <a:tcPr marL="68580" marR="68580" marT="0" marB="0" anchor="ctr">
-                    <a:solidFill>
-                      <a:srgbClr val="002B62"/>
-                    </a:solidFill>
-                  </a:tcPr>
-                </a:tc>
-                <a:tc>
-                  <a:txBody>
-                    <a:bodyPr/>
-                    <a:lstStyle/>
-                    <a:p>
-                      <a:pPr algn="l" latinLnBrk="1">
-                        <a:spcAft>
-                          <a:spcPts val="0"/>
-                        </a:spcAft>
-                      </a:pPr>
-                      <a:r>
-                        <a:rPr lang="en-US" altLang="ja-JP" sz="1000" kern="100" dirty="0">
-                          <a:effectLst/>
-                        </a:rPr>
-                        <a:t>/(</a:t>
-                      </a:r>
-                      <a:r>
-                        <a:rPr lang="ja-JP" altLang="ja-JP" sz="1000" kern="100" dirty="0">
-                          <a:effectLst/>
-                        </a:rPr>
-                        <a:t>インストール資材展開先</a:t>
-                      </a:r>
-                      <a:r>
-                        <a:rPr lang="en-US" altLang="ja-JP" sz="1000" kern="100">
-                          <a:effectLst/>
-                        </a:rPr>
-                        <a:t>)/</a:t>
-                      </a:r>
-                      <a:r>
-                        <a:rPr lang="en-US" altLang="ja-JP" sz="1000" kern="100" smtClean="0">
-                          <a:effectLst/>
-                        </a:rPr>
-                        <a:t>oase/oase-root</a:t>
-                      </a:r>
-                      <a:endParaRPr lang="ja-JP" sz="1100" kern="100" dirty="0">
-                        <a:effectLst/>
-                        <a:latin typeface="Century" panose="02040604050505020304" pitchFamily="18" charset="0"/>
-                        <a:ea typeface="ＭＳ 明朝" panose="02020609040205080304" pitchFamily="17" charset="-128"/>
-                        <a:cs typeface="Times New Roman" panose="02020603050405020304" pitchFamily="18" charset="0"/>
-                      </a:endParaRPr>
-                    </a:p>
-                  </a:txBody>
-                  <a:tcPr marL="68580" marR="68580" marT="0" marB="0">
-                    <a:solidFill>
-                      <a:srgbClr val="E7E8EA"/>
-                    </a:solidFill>
-                  </a:tcPr>
-                </a:tc>
-                <a:tc>
-                  <a:txBody>
-                    <a:bodyPr/>
-                    <a:lstStyle/>
-                    <a:p>
-                      <a:pPr algn="l">
-                        <a:spcAft>
-                          <a:spcPts val="0"/>
-                        </a:spcAft>
-                      </a:pPr>
-                      <a:r>
-                        <a:rPr lang="en-US" sz="1100" kern="100" dirty="0">
-                          <a:effectLst/>
-                        </a:rPr>
-                        <a:t>exastro-oase.crt</a:t>
-                      </a:r>
-                      <a:endParaRPr lang="ja-JP" sz="1100" kern="100" dirty="0">
-                        <a:effectLst/>
-                        <a:latin typeface="Century" panose="02040604050505020304" pitchFamily="18" charset="0"/>
-                        <a:ea typeface="ＭＳ 明朝" panose="02020609040205080304" pitchFamily="17" charset="-128"/>
-                        <a:cs typeface="Times New Roman" panose="02020603050405020304" pitchFamily="18" charset="0"/>
-                      </a:endParaRPr>
-                    </a:p>
-                  </a:txBody>
-                  <a:tcPr marL="68580" marR="68580" marT="0" marB="0">
-                    <a:solidFill>
-                      <a:srgbClr val="E7E8EA"/>
-                    </a:solidFill>
-                  </a:tcPr>
-                </a:tc>
-                <a:extLst>
-                  <a:ext uri="{0D108BD9-81ED-4DB2-BD59-A6C34878D82A}">
-                    <a16:rowId xmlns:a16="http://schemas.microsoft.com/office/drawing/2014/main" val="10002"/>
-                  </a:ext>
-                </a:extLst>
-              </a:tr>
-            </a:tbl>
-          </a:graphicData>
-        </a:graphic>
-      </p:graphicFrame>
-    </p:spTree>
-    <p:extLst>
-      <p:ext uri="{BB962C8B-B14F-4D97-AF65-F5344CB8AC3E}">
-        <p14:creationId xmlns:p14="http://schemas.microsoft.com/office/powerpoint/2010/main" val="2206087911"/>
-      </p:ext>
-    </p:extLst>
-  </p:cSld>
-  <p:clrMapOvr>
-    <a:masterClrMapping/>
-  </p:clrMapOvr>
-</p:sld>
-</file>
-
-<file path=ppt/slides/slide32.xml><?xml version="1.0" encoding="utf-8"?>
-<p:sld xmlns:a="http://schemas.openxmlformats.org/drawingml/2006/main" xmlns:r="http://schemas.openxmlformats.org/officeDocument/2006/relationships" xmlns:p="http://schemas.openxmlformats.org/presentationml/2006/main">
-  <p:cSld>
-    <p:spTree>
-      <p:nvGrpSpPr>
-        <p:cNvPr id="1" name=""/>
-        <p:cNvGrpSpPr/>
-        <p:nvPr/>
-      </p:nvGrpSpPr>
-      <p:grpSpPr>
-        <a:xfrm>
-          <a:off x="0" y="0"/>
-          <a:ext cx="0" cy="0"/>
-          <a:chOff x="0" y="0"/>
-          <a:chExt cx="0" cy="0"/>
-        </a:xfrm>
-      </p:grpSpPr>
-      <p:sp>
-        <p:nvSpPr>
-          <p:cNvPr id="2" name="タイトル 1"/>
-          <p:cNvSpPr>
-            <a:spLocks noGrp="1"/>
-          </p:cNvSpPr>
-          <p:nvPr>
-            <p:ph type="title"/>
-          </p:nvPr>
-        </p:nvSpPr>
-        <p:spPr/>
-        <p:txBody>
-          <a:bodyPr/>
-          <a:lstStyle/>
-          <a:p>
-            <a:r>
-              <a:rPr lang="en-US" altLang="ja-JP" dirty="0" smtClean="0"/>
-              <a:t>4.3</a:t>
             </a:r>
             <a:r>
               <a:rPr lang="ja-JP" altLang="en-US" dirty="0"/>
@@ -30487,7 +28875,7 @@
             </a:r>
             <a:r>
               <a:rPr lang="en-US" altLang="ja-JP" dirty="0" smtClean="0"/>
-              <a:t>3/7</a:t>
+              <a:t>1/4</a:t>
             </a:r>
             <a:r>
               <a:rPr lang="ja-JP" altLang="en-US" dirty="0" smtClean="0"/>
@@ -30510,17 +28898,63 @@
         <p:spPr/>
         <p:txBody>
           <a:bodyPr>
-            <a:normAutofit/>
+            <a:normAutofit fontScale="92500" lnSpcReduction="20000"/>
           </a:bodyPr>
           <a:lstStyle/>
           <a:p>
+            <a:r>
+              <a:rPr lang="ja-JP" altLang="en-US" dirty="0"/>
+              <a:t>メインメニューの表示による確認</a:t>
+            </a:r>
+          </a:p>
+          <a:p>
+            <a:pPr lvl="1"/>
+            <a:r>
+              <a:rPr lang="ja-JP" altLang="en-US" dirty="0"/>
+              <a:t>インストール処理終了後、自端末の</a:t>
+            </a:r>
+            <a:r>
+              <a:rPr lang="en-US" altLang="ja-JP" dirty="0" err="1"/>
+              <a:t>WindowsPC</a:t>
+            </a:r>
+            <a:r>
+              <a:rPr lang="ja-JP" altLang="en-US" dirty="0"/>
+              <a:t>から下記の手順により、</a:t>
+            </a:r>
+            <a:r>
+              <a:rPr lang="en-US" altLang="ja-JP" dirty="0"/>
+              <a:t>OASE</a:t>
+            </a:r>
+            <a:r>
+              <a:rPr lang="ja-JP" altLang="en-US" dirty="0"/>
+              <a:t>システムメインメニューにアクセスし、</a:t>
+            </a:r>
+            <a:r>
+              <a:rPr lang="en-US" altLang="ja-JP" dirty="0"/>
+              <a:t>OASE</a:t>
+            </a:r>
+            <a:r>
+              <a:rPr lang="ja-JP" altLang="en-US" dirty="0"/>
+              <a:t>本体、各ドライバーが正常に表示されたことを確認してください</a:t>
+            </a:r>
+            <a:r>
+              <a:rPr lang="ja-JP" altLang="en-US" dirty="0" smtClean="0"/>
+              <a:t>。</a:t>
+            </a:r>
+            <a:endParaRPr lang="en-US" altLang="ja-JP" dirty="0"/>
+          </a:p>
+          <a:p>
+            <a:pPr lvl="1"/>
+            <a:endParaRPr lang="en-US" altLang="ja-JP" dirty="0"/>
+          </a:p>
+          <a:p>
             <a:pPr lvl="0"/>
             <a:r>
-              <a:rPr lang="en-US" altLang="ja-JP" dirty="0" smtClean="0"/>
+              <a:rPr lang="en-US" altLang="ja-JP" dirty="0"/>
               <a:t>URL</a:t>
             </a:r>
             <a:r>
-              <a:rPr lang="ja-JP" altLang="en-US" dirty="0"/>
+              <a:rPr lang="ja-JP" altLang="en-US" dirty="0" smtClean="0"/>
               <a:t>接続</a:t>
             </a:r>
             <a:endParaRPr lang="en-US" altLang="ja-JP" dirty="0"/>
@@ -30537,9 +28971,13 @@
             </a:r>
             <a:r>
               <a:rPr lang="ja-JP" altLang="en-US" dirty="0"/>
-              <a:t>より、ログイン画面にアクセスしてください。</a:t>
-            </a:r>
-            <a:endParaRPr lang="en-US" altLang="ja-JP" dirty="0"/>
+              <a:t>より、ログイン画面にアクセスしてください</a:t>
+            </a:r>
+            <a:r>
+              <a:rPr lang="ja-JP" altLang="en-US" dirty="0" smtClean="0"/>
+              <a:t>。</a:t>
+            </a:r>
+            <a:endParaRPr lang="en-US" altLang="ja-JP" dirty="0" smtClean="0"/>
           </a:p>
           <a:p>
             <a:pPr lvl="1"/>
@@ -30548,7 +28986,7 @@
               <a:t>URL</a:t>
             </a:r>
             <a:r>
-              <a:rPr lang="ja-JP" altLang="ja-JP" dirty="0" smtClean="0"/>
+              <a:rPr lang="ja-JP" altLang="ja-JP" dirty="0"/>
               <a:t>：</a:t>
             </a:r>
             <a:r>
@@ -30557,28 +28995,23 @@
                   <a:srgbClr val="FF0000"/>
                 </a:solidFill>
               </a:rPr>
-              <a:t>https</a:t>
-            </a:r>
-            <a:r>
-              <a:rPr lang="en-US" altLang="ja-JP" b="1" dirty="0">
+              <a:t>http://</a:t>
+            </a:r>
+            <a:r>
+              <a:rPr lang="ja-JP" altLang="en-US" b="1" dirty="0" smtClean="0">
                 <a:solidFill>
                   <a:srgbClr val="FF0000"/>
                 </a:solidFill>
               </a:rPr>
-              <a:t>://exastro-oase/oase_web/top/login</a:t>
-            </a:r>
-          </a:p>
-          <a:p>
-            <a:pPr marL="180000" lvl="1" indent="0">
-              <a:buNone/>
-            </a:pPr>
+              <a:t>（サーバの</a:t>
+            </a:r>
             <a:r>
               <a:rPr lang="en-US" altLang="ja-JP" b="1" dirty="0" smtClean="0">
                 <a:solidFill>
                   <a:srgbClr val="FF0000"/>
                 </a:solidFill>
               </a:rPr>
-              <a:t> ※</a:t>
+              <a:t>IP</a:t>
             </a:r>
             <a:r>
               <a:rPr lang="ja-JP" altLang="en-US" b="1" dirty="0" smtClean="0">
@@ -30586,18 +29019,62 @@
                   <a:srgbClr val="FF0000"/>
                 </a:solidFill>
               </a:rPr>
-              <a:t>インストール後は</a:t>
-            </a:r>
+              <a:t>アドレス）</a:t>
+            </a:r>
+            <a:endParaRPr lang="en-US" altLang="ja-JP" b="1" dirty="0" smtClean="0">
+              <a:solidFill>
+                <a:srgbClr val="FF0000"/>
+              </a:solidFill>
+            </a:endParaRPr>
+          </a:p>
+          <a:p>
+            <a:pPr marL="180000" lvl="1" indent="0">
+              <a:buNone/>
+            </a:pPr>
+            <a:endParaRPr lang="en-US" altLang="ja-JP" b="1" dirty="0" smtClean="0">
+              <a:solidFill>
+                <a:srgbClr val="FF0000"/>
+              </a:solidFill>
+            </a:endParaRPr>
+          </a:p>
+          <a:p>
+            <a:pPr marL="180000" lvl="1" indent="0">
+              <a:buNone/>
+            </a:pPr>
             <a:r>
               <a:rPr lang="en-US" altLang="ja-JP" b="1" dirty="0" smtClean="0">
                 <a:solidFill>
                   <a:srgbClr val="FF0000"/>
                 </a:solidFill>
               </a:rPr>
+              <a:t> </a:t>
+            </a:r>
+            <a:r>
+              <a:rPr lang="en-US" altLang="ja-JP" dirty="0" smtClean="0">
+                <a:solidFill>
+                  <a:srgbClr val="FF0000"/>
+                </a:solidFill>
+              </a:rPr>
+              <a:t>※</a:t>
+            </a:r>
+            <a:r>
+              <a:rPr lang="ja-JP" altLang="en-US" dirty="0" smtClean="0">
+                <a:solidFill>
+                  <a:srgbClr val="FF0000"/>
+                </a:solidFill>
+              </a:rPr>
+              <a:t>インストール後は、</a:t>
+            </a:r>
+            <a:r>
+              <a:rPr lang="en-US" altLang="ja-JP" dirty="0" smtClean="0">
+                <a:solidFill>
+                  <a:srgbClr val="FF0000"/>
+                </a:solidFill>
+              </a:rPr>
               <a:t>HTTP</a:t>
             </a:r>
             <a:r>
-              <a:rPr lang="ja-JP" altLang="en-US" b="1" dirty="0" smtClean="0">
+              <a:rPr lang="ja-JP" altLang="en-US" dirty="0" smtClean="0">
                 <a:solidFill>
                   <a:srgbClr val="FF0000"/>
                 </a:solidFill>
@@ -30605,7 +29082,7 @@
               <a:t>と</a:t>
             </a:r>
             <a:r>
-              <a:rPr lang="en-US" altLang="ja-JP" b="1" dirty="0" smtClean="0">
+              <a:rPr lang="en-US" altLang="ja-JP" dirty="0" smtClean="0">
                 <a:solidFill>
                   <a:srgbClr val="FF0000"/>
                 </a:solidFill>
@@ -30613,14 +29090,14 @@
               <a:t>HTTPS</a:t>
             </a:r>
             <a:r>
-              <a:rPr lang="ja-JP" altLang="en-US" b="1" dirty="0" smtClean="0">
+              <a:rPr lang="ja-JP" altLang="en-US" dirty="0" smtClean="0">
                 <a:solidFill>
                   <a:srgbClr val="FF0000"/>
                 </a:solidFill>
               </a:rPr>
               <a:t>の両方のアクセスが可能です。</a:t>
             </a:r>
-            <a:endParaRPr lang="en-US" altLang="ja-JP" b="1" dirty="0">
+            <a:endParaRPr lang="en-US" altLang="ja-JP" dirty="0" smtClean="0">
               <a:solidFill>
                 <a:srgbClr val="FF0000"/>
               </a:solidFill>
@@ -30631,15 +29108,31 @@
               <a:buNone/>
             </a:pPr>
             <a:r>
-              <a:rPr lang="en-US" altLang="ja-JP" b="1" dirty="0" smtClean="0">
+              <a:rPr lang="en-US" altLang="ja-JP" dirty="0" smtClean="0">
                 <a:solidFill>
                   <a:srgbClr val="FF0000"/>
                 </a:solidFill>
               </a:rPr>
-              <a:t> HTTP</a:t>
-            </a:r>
-            <a:r>
-              <a:rPr lang="ja-JP" altLang="en-US" b="1" dirty="0" smtClean="0">
+              <a:t> </a:t>
+            </a:r>
+            <a:r>
+              <a:rPr lang="ja-JP" altLang="en-US" dirty="0" smtClean="0">
+                <a:solidFill>
+                  <a:srgbClr val="FF0000"/>
+                </a:solidFill>
+              </a:rPr>
+              <a:t>　</a:t>
+            </a:r>
+            <a:r>
+              <a:rPr lang="en-US" altLang="ja-JP" dirty="0" smtClean="0">
+                <a:solidFill>
+                  <a:srgbClr val="FF0000"/>
+                </a:solidFill>
+              </a:rPr>
+              <a:t>HTTP</a:t>
+            </a:r>
+            <a:r>
+              <a:rPr lang="ja-JP" altLang="en-US" dirty="0">
                 <a:solidFill>
                   <a:srgbClr val="FF0000"/>
                 </a:solidFill>
@@ -30647,7 +29140,7 @@
               <a:t>はセキュリティ的に脆弱なので、</a:t>
             </a:r>
             <a:r>
-              <a:rPr lang="en-US" altLang="ja-JP" b="1" dirty="0" smtClean="0">
+              <a:rPr lang="en-US" altLang="ja-JP" dirty="0">
                 <a:solidFill>
                   <a:srgbClr val="FF0000"/>
                 </a:solidFill>
@@ -30655,7 +29148,7 @@
               <a:t>HTTPS</a:t>
             </a:r>
             <a:r>
-              <a:rPr lang="ja-JP" altLang="en-US" b="1" dirty="0" err="1" smtClean="0">
+              <a:rPr lang="ja-JP" altLang="en-US" dirty="0" err="1">
                 <a:solidFill>
                   <a:srgbClr val="FF0000"/>
                 </a:solidFill>
@@ -30663,14 +29156,14 @@
               <a:t>での</a:t>
             </a:r>
             <a:r>
-              <a:rPr lang="ja-JP" altLang="en-US" b="1" dirty="0" smtClean="0">
+              <a:rPr lang="ja-JP" altLang="en-US" dirty="0">
                 <a:solidFill>
                   <a:srgbClr val="FF0000"/>
                 </a:solidFill>
               </a:rPr>
               <a:t>アクセスを推奨します。</a:t>
             </a:r>
-            <a:endParaRPr lang="en-US" altLang="ja-JP" b="1" dirty="0" smtClean="0">
+            <a:endParaRPr lang="en-US" altLang="ja-JP" dirty="0">
               <a:solidFill>
                 <a:srgbClr val="FF0000"/>
               </a:solidFill>
@@ -30681,15 +29174,31 @@
               <a:buNone/>
             </a:pPr>
             <a:r>
-              <a:rPr lang="en-US" altLang="ja-JP" b="1" dirty="0" smtClean="0">
+              <a:rPr lang="en-US" altLang="ja-JP" dirty="0">
                 <a:solidFill>
                   <a:srgbClr val="FF0000"/>
                 </a:solidFill>
               </a:rPr>
-              <a:t> HTTP</a:t>
-            </a:r>
-            <a:r>
-              <a:rPr lang="ja-JP" altLang="en-US" b="1" dirty="0" err="1" smtClean="0">
+              <a:t> </a:t>
+            </a:r>
+            <a:r>
+              <a:rPr lang="ja-JP" altLang="en-US" dirty="0" smtClean="0">
+                <a:solidFill>
+                  <a:srgbClr val="FF0000"/>
+                </a:solidFill>
+              </a:rPr>
+              <a:t>　</a:t>
+            </a:r>
+            <a:r>
+              <a:rPr lang="en-US" altLang="ja-JP" dirty="0" smtClean="0">
+                <a:solidFill>
+                  <a:srgbClr val="FF0000"/>
+                </a:solidFill>
+              </a:rPr>
+              <a:t>HTTPS</a:t>
+            </a:r>
+            <a:r>
+              <a:rPr lang="ja-JP" altLang="en-US" dirty="0" err="1" smtClean="0">
                 <a:solidFill>
                   <a:srgbClr val="FF0000"/>
                 </a:solidFill>
@@ -30697,37 +29206,47 @@
               <a:t>での</a:t>
             </a:r>
             <a:r>
-              <a:rPr lang="ja-JP" altLang="en-US" b="1" dirty="0" smtClean="0">
+              <a:rPr lang="ja-JP" altLang="en-US" dirty="0">
                 <a:solidFill>
                   <a:srgbClr val="FF0000"/>
                 </a:solidFill>
               </a:rPr>
-              <a:t>アクセス方法は、動作確認（</a:t>
-            </a:r>
-            <a:r>
-              <a:rPr lang="en-US" altLang="ja-JP" b="1" dirty="0" smtClean="0">
+              <a:t>アクセス方法は、動作確認</a:t>
+            </a:r>
+            <a:r>
+              <a:rPr lang="ja-JP" altLang="en-US" dirty="0" smtClean="0">
                 <a:solidFill>
                   <a:srgbClr val="FF0000"/>
                 </a:solidFill>
               </a:rPr>
-              <a:t>6/7</a:t>
-            </a:r>
-            <a:r>
-              <a:rPr lang="ja-JP" altLang="en-US" b="1" dirty="0" smtClean="0">
+              <a:t>（</a:t>
+            </a:r>
+            <a:r>
+              <a:rPr lang="en-US" altLang="ja-JP" dirty="0" smtClean="0">
                 <a:solidFill>
                   <a:srgbClr val="FF0000"/>
                 </a:solidFill>
               </a:rPr>
-              <a:t>）以降を確認ください。</a:t>
-            </a:r>
-            <a:endParaRPr lang="en-US" altLang="ja-JP" b="1" dirty="0">
+              <a:t>4/4</a:t>
+            </a:r>
+            <a:r>
+              <a:rPr lang="ja-JP" altLang="en-US" dirty="0" smtClean="0">
+                <a:solidFill>
+                  <a:srgbClr val="FF0000"/>
+                </a:solidFill>
+              </a:rPr>
+              <a:t>）を確認してください。</a:t>
+            </a:r>
+            <a:endParaRPr lang="en-US" altLang="ja-JP" dirty="0" smtClean="0">
               <a:solidFill>
                 <a:srgbClr val="FF0000"/>
               </a:solidFill>
             </a:endParaRPr>
           </a:p>
           <a:p>
-            <a:pPr lvl="1"/>
+            <a:pPr marL="180000" lvl="1" indent="0">
+              <a:buNone/>
+            </a:pPr>
             <a:endParaRPr lang="en-US" altLang="ja-JP" dirty="0" smtClean="0"/>
           </a:p>
           <a:p>
@@ -30838,29 +29357,44 @@
             </a:r>
           </a:p>
           <a:p>
+            <a:pPr marL="0" indent="0">
+              <a:buNone/>
+            </a:pPr>
+            <a:endParaRPr lang="en-US" altLang="ja-JP" dirty="0"/>
+          </a:p>
+          <a:p>
+            <a:pPr marL="0" indent="0">
+              <a:buNone/>
+            </a:pPr>
+            <a:endParaRPr lang="en-US" altLang="ja-JP" dirty="0" smtClean="0"/>
+          </a:p>
+          <a:p>
             <a:pPr lvl="1"/>
-            <a:endParaRPr lang="ja-JP" altLang="en-US" dirty="0"/>
-          </a:p>
-          <a:p>
-            <a:pPr lvl="1"/>
-            <a:endParaRPr lang="ja-JP" altLang="en-US" dirty="0"/>
+            <a:endParaRPr kumimoji="1" lang="ja-JP" altLang="en-US" dirty="0"/>
           </a:p>
         </p:txBody>
       </p:sp>
     </p:spTree>
     <p:extLst>
       <p:ext uri="{BB962C8B-B14F-4D97-AF65-F5344CB8AC3E}">
-        <p14:creationId xmlns:p14="http://schemas.microsoft.com/office/powerpoint/2010/main" val="897253124"/>
+        <p14:creationId xmlns:p14="http://schemas.microsoft.com/office/powerpoint/2010/main" val="4132121474"/>
       </p:ext>
     </p:extLst>
   </p:cSld>
   <p:clrMapOvr>
     <a:masterClrMapping/>
   </p:clrMapOvr>
+  <p:timing>
+    <p:tnLst>
+      <p:par>
+        <p:cTn id="1" dur="indefinite" restart="never" nodeType="tmRoot"/>
+      </p:par>
+    </p:tnLst>
+  </p:timing>
 </p:sld>
 </file>
 
-<file path=ppt/slides/slide33.xml><?xml version="1.0" encoding="utf-8"?>
+<file path=ppt/slides/slide31.xml><?xml version="1.0" encoding="utf-8"?>
 <p:sld xmlns:a="http://schemas.openxmlformats.org/drawingml/2006/main" xmlns:r="http://schemas.openxmlformats.org/officeDocument/2006/relationships" xmlns:p="http://schemas.openxmlformats.org/presentationml/2006/main">
   <p:cSld>
     <p:spTree>
@@ -30923,30 +29457,26 @@
           <a:lstStyle/>
           <a:p>
             <a:r>
-              <a:rPr lang="en-US" altLang="ja-JP"/>
-              <a:t>4.4</a:t>
-            </a:r>
-            <a:r>
-              <a:rPr lang="ja-JP" altLang="en-US"/>
+              <a:rPr lang="en-US" altLang="ja-JP" dirty="0" smtClean="0"/>
+              <a:t>4.2</a:t>
+            </a:r>
+            <a:r>
+              <a:rPr lang="ja-JP" altLang="en-US" dirty="0"/>
               <a:t>　動作確認</a:t>
             </a:r>
             <a:r>
-              <a:rPr lang="ja-JP" altLang="en-US" smtClean="0"/>
+              <a:rPr lang="ja-JP" altLang="en-US" dirty="0" smtClean="0"/>
               <a:t>（</a:t>
             </a:r>
             <a:r>
-              <a:rPr lang="en-US" altLang="ja-JP"/>
-              <a:t>4</a:t>
-            </a:r>
-            <a:r>
-              <a:rPr lang="en-US" altLang="ja-JP" smtClean="0"/>
-              <a:t>/7</a:t>
-            </a:r>
-            <a:r>
-              <a:rPr lang="ja-JP" altLang="en-US" smtClean="0"/>
+              <a:rPr lang="en-US" altLang="ja-JP" dirty="0" smtClean="0"/>
+              <a:t>2/4</a:t>
+            </a:r>
+            <a:r>
+              <a:rPr lang="ja-JP" altLang="en-US" dirty="0" smtClean="0"/>
               <a:t>）</a:t>
             </a:r>
-            <a:endParaRPr kumimoji="1" lang="ja-JP" altLang="en-US"/>
+            <a:endParaRPr kumimoji="1" lang="ja-JP" altLang="en-US" dirty="0"/>
           </a:p>
         </p:txBody>
       </p:sp>
@@ -31350,17 +29880,24 @@
     </p:spTree>
     <p:extLst>
       <p:ext uri="{BB962C8B-B14F-4D97-AF65-F5344CB8AC3E}">
-        <p14:creationId xmlns:p14="http://schemas.microsoft.com/office/powerpoint/2010/main" val="1650538556"/>
+        <p14:creationId xmlns:p14="http://schemas.microsoft.com/office/powerpoint/2010/main" val="940092420"/>
       </p:ext>
     </p:extLst>
   </p:cSld>
   <p:clrMapOvr>
     <a:masterClrMapping/>
   </p:clrMapOvr>
+  <p:timing>
+    <p:tnLst>
+      <p:par>
+        <p:cTn id="1" dur="indefinite" restart="never" nodeType="tmRoot"/>
+      </p:par>
+    </p:tnLst>
+  </p:timing>
 </p:sld>
 </file>
 
-<file path=ppt/slides/slide34.xml><?xml version="1.0" encoding="utf-8"?>
+<file path=ppt/slides/slide32.xml><?xml version="1.0" encoding="utf-8"?>
 <p:sld xmlns:a="http://schemas.openxmlformats.org/drawingml/2006/main" xmlns:r="http://schemas.openxmlformats.org/officeDocument/2006/relationships" xmlns:p="http://schemas.openxmlformats.org/presentationml/2006/main">
   <p:cSld>
     <p:spTree>
@@ -31395,30 +29932,26 @@
           <a:lstStyle/>
           <a:p>
             <a:r>
-              <a:rPr lang="en-US" altLang="ja-JP"/>
-              <a:t>4.5</a:t>
-            </a:r>
-            <a:r>
-              <a:rPr lang="ja-JP" altLang="en-US"/>
+              <a:rPr lang="en-US" altLang="ja-JP" dirty="0" smtClean="0"/>
+              <a:t>4.3</a:t>
+            </a:r>
+            <a:r>
+              <a:rPr lang="ja-JP" altLang="en-US" dirty="0"/>
               <a:t>　動作確認</a:t>
             </a:r>
             <a:r>
-              <a:rPr lang="ja-JP" altLang="en-US" smtClean="0"/>
+              <a:rPr lang="ja-JP" altLang="en-US" dirty="0" smtClean="0"/>
               <a:t>（</a:t>
             </a:r>
             <a:r>
-              <a:rPr lang="en-US" altLang="ja-JP"/>
-              <a:t>5</a:t>
-            </a:r>
-            <a:r>
-              <a:rPr lang="en-US" altLang="ja-JP" smtClean="0"/>
-              <a:t>/7</a:t>
-            </a:r>
-            <a:r>
-              <a:rPr lang="ja-JP" altLang="en-US" smtClean="0"/>
+              <a:rPr lang="en-US" altLang="ja-JP" dirty="0" smtClean="0"/>
+              <a:t>3/4</a:t>
+            </a:r>
+            <a:r>
+              <a:rPr lang="ja-JP" altLang="en-US" dirty="0" smtClean="0"/>
               <a:t>）</a:t>
             </a:r>
-            <a:endParaRPr kumimoji="1" lang="ja-JP" altLang="en-US"/>
+            <a:endParaRPr kumimoji="1" lang="ja-JP" altLang="en-US" dirty="0"/>
           </a:p>
         </p:txBody>
       </p:sp>
@@ -31470,11 +30003,7 @@
             <a:graphicFrameLocks noGrp="1"/>
           </p:cNvGraphicFramePr>
           <p:nvPr>
-            <p:extLst>
-              <p:ext uri="{D42A27DB-BD31-4B8C-83A1-F6EECF244321}">
-                <p14:modId xmlns:p14="http://schemas.microsoft.com/office/powerpoint/2010/main" val="192333308"/>
-              </p:ext>
-            </p:extLst>
+            <p:extLst/>
           </p:nvPr>
         </p:nvGraphicFramePr>
         <p:xfrm>
@@ -31582,7 +30111,7 @@
                         </a:spcAft>
                       </a:pPr>
                       <a:r>
-                        <a:rPr lang="en-US" altLang="ja-JP" sz="1050" kern="100" dirty="0">
+                        <a:rPr lang="en-US" altLang="ja-JP" sz="1050" kern="100">
                           <a:effectLst/>
                           <a:latin typeface="+mn-lt"/>
                           <a:ea typeface="+mn-ea"/>
@@ -31591,7 +30120,7 @@
                         <a:t>OASE</a:t>
                       </a:r>
                       <a:r>
-                        <a:rPr lang="ja-JP" altLang="en-US" sz="1050" kern="100" dirty="0">
+                        <a:rPr lang="ja-JP" altLang="en-US" sz="1050" kern="100">
                           <a:effectLst/>
                           <a:latin typeface="+mn-lt"/>
                           <a:ea typeface="+mn-ea"/>
@@ -31599,7 +30128,7 @@
                         </a:rPr>
                         <a:t>画面</a:t>
                       </a:r>
-                      <a:endParaRPr lang="ja-JP" sz="1050" kern="100" dirty="0">
+                      <a:endParaRPr lang="ja-JP" sz="1050" kern="100">
                         <a:effectLst/>
                         <a:latin typeface="Century" panose="02040604050505020304" pitchFamily="18" charset="0"/>
                         <a:ea typeface="ＭＳ 明朝" panose="02020609040205080304" pitchFamily="17" charset="-128"/>
@@ -31823,7 +30352,690 @@
     </p:spTree>
     <p:extLst>
       <p:ext uri="{BB962C8B-B14F-4D97-AF65-F5344CB8AC3E}">
-        <p14:creationId xmlns:p14="http://schemas.microsoft.com/office/powerpoint/2010/main" val="810859288"/>
+        <p14:creationId xmlns:p14="http://schemas.microsoft.com/office/powerpoint/2010/main" val="1829668521"/>
+      </p:ext>
+    </p:extLst>
+  </p:cSld>
+  <p:clrMapOvr>
+    <a:masterClrMapping/>
+  </p:clrMapOvr>
+  <p:timing>
+    <p:tnLst>
+      <p:par>
+        <p:cTn id="1" dur="indefinite" restart="never" nodeType="tmRoot"/>
+      </p:par>
+    </p:tnLst>
+  </p:timing>
+</p:sld>
+</file>
+
+<file path=ppt/slides/slide33.xml><?xml version="1.0" encoding="utf-8"?>
+<p:sld xmlns:a="http://schemas.openxmlformats.org/drawingml/2006/main" xmlns:r="http://schemas.openxmlformats.org/officeDocument/2006/relationships" xmlns:p="http://schemas.openxmlformats.org/presentationml/2006/main">
+  <p:cSld>
+    <p:spTree>
+      <p:nvGrpSpPr>
+        <p:cNvPr id="1" name=""/>
+        <p:cNvGrpSpPr/>
+        <p:nvPr/>
+      </p:nvGrpSpPr>
+      <p:grpSpPr>
+        <a:xfrm>
+          <a:off x="0" y="0"/>
+          <a:ext cx="0" cy="0"/>
+          <a:chOff x="0" y="0"/>
+          <a:chExt cx="0" cy="0"/>
+        </a:xfrm>
+      </p:grpSpPr>
+      <p:sp>
+        <p:nvSpPr>
+          <p:cNvPr id="2" name="タイトル 1"/>
+          <p:cNvSpPr>
+            <a:spLocks noGrp="1"/>
+          </p:cNvSpPr>
+          <p:nvPr>
+            <p:ph type="title"/>
+          </p:nvPr>
+        </p:nvSpPr>
+        <p:spPr/>
+        <p:txBody>
+          <a:bodyPr/>
+          <a:lstStyle/>
+          <a:p>
+            <a:r>
+              <a:rPr lang="en-US" altLang="ja-JP" dirty="0" smtClean="0"/>
+              <a:t>4.4</a:t>
+            </a:r>
+            <a:r>
+              <a:rPr lang="ja-JP" altLang="en-US" dirty="0"/>
+              <a:t>　動作確認</a:t>
+            </a:r>
+            <a:r>
+              <a:rPr lang="ja-JP" altLang="en-US" dirty="0" smtClean="0"/>
+              <a:t>（</a:t>
+            </a:r>
+            <a:r>
+              <a:rPr lang="en-US" altLang="ja-JP" dirty="0" smtClean="0"/>
+              <a:t>4/4</a:t>
+            </a:r>
+            <a:r>
+              <a:rPr lang="ja-JP" altLang="en-US" dirty="0" smtClean="0"/>
+              <a:t>）</a:t>
+            </a:r>
+            <a:endParaRPr kumimoji="1" lang="ja-JP" altLang="en-US" dirty="0"/>
+          </a:p>
+        </p:txBody>
+      </p:sp>
+      <p:sp>
+        <p:nvSpPr>
+          <p:cNvPr id="3" name="コンテンツ プレースホルダー 2"/>
+          <p:cNvSpPr>
+            <a:spLocks noGrp="1"/>
+          </p:cNvSpPr>
+          <p:nvPr>
+            <p:ph sz="quarter" idx="10"/>
+          </p:nvPr>
+        </p:nvSpPr>
+        <p:spPr/>
+        <p:txBody>
+          <a:bodyPr>
+            <a:normAutofit fontScale="92500" lnSpcReduction="20000"/>
+          </a:bodyPr>
+          <a:lstStyle/>
+          <a:p>
+            <a:r>
+              <a:rPr lang="en-US" altLang="ja-JP" dirty="0"/>
+              <a:t>HTTPS</a:t>
+            </a:r>
+            <a:r>
+              <a:rPr lang="ja-JP" altLang="en-US" dirty="0"/>
+              <a:t>でアクセスするための準備作業</a:t>
+            </a:r>
+          </a:p>
+          <a:p>
+            <a:pPr marL="180000" lvl="1" indent="0">
+              <a:buNone/>
+            </a:pPr>
+            <a:endParaRPr lang="ja-JP" altLang="en-US" dirty="0"/>
+          </a:p>
+          <a:p>
+            <a:pPr lvl="1"/>
+            <a:r>
+              <a:rPr lang="ja-JP" altLang="en-US" dirty="0"/>
+              <a:t>アンサーファイルの「</a:t>
+            </a:r>
+            <a:r>
+              <a:rPr lang="en-US" altLang="ja-JP" dirty="0" err="1"/>
+              <a:t>oase_domain</a:t>
+            </a:r>
+            <a:r>
+              <a:rPr lang="ja-JP" altLang="en-US" dirty="0"/>
+              <a:t>」に設定したホスト名をご使用の環境の</a:t>
+            </a:r>
+            <a:r>
+              <a:rPr lang="en-US" altLang="ja-JP" dirty="0"/>
+              <a:t>DNS</a:t>
+            </a:r>
+            <a:r>
+              <a:rPr lang="ja-JP" altLang="en-US" dirty="0"/>
+              <a:t>サーバまたは操作端末の</a:t>
+            </a:r>
+            <a:r>
+              <a:rPr lang="en-US" altLang="ja-JP" dirty="0"/>
+              <a:t>hosts</a:t>
+            </a:r>
+            <a:r>
+              <a:rPr lang="ja-JP" altLang="en-US" dirty="0" err="1"/>
+              <a:t>に登</a:t>
+            </a:r>
+            <a:r>
+              <a:rPr lang="ja-JP" altLang="en-US" dirty="0"/>
+              <a:t>録してください。</a:t>
+            </a:r>
+            <a:endParaRPr lang="en-US" altLang="ja-JP" dirty="0"/>
+          </a:p>
+          <a:p>
+            <a:pPr lvl="1"/>
+            <a:r>
+              <a:rPr lang="ja-JP" altLang="en-US" dirty="0" smtClean="0"/>
+              <a:t>操作端末（</a:t>
+            </a:r>
+            <a:r>
+              <a:rPr lang="en-US" altLang="ja-JP" dirty="0" smtClean="0"/>
+              <a:t>Windows</a:t>
+            </a:r>
+            <a:r>
+              <a:rPr lang="ja-JP" altLang="en-US" dirty="0" smtClean="0"/>
+              <a:t>）</a:t>
+            </a:r>
+            <a:r>
+              <a:rPr lang="ja-JP" altLang="en-US" dirty="0"/>
+              <a:t>へ</a:t>
+            </a:r>
+            <a:r>
+              <a:rPr lang="ja-JP" altLang="ja-JP" dirty="0" smtClean="0"/>
+              <a:t>の</a:t>
+            </a:r>
+            <a:r>
+              <a:rPr lang="ja-JP" altLang="en-US" dirty="0" smtClean="0"/>
+              <a:t>証明書インポートを行います</a:t>
+            </a:r>
+            <a:r>
+              <a:rPr lang="ja-JP" altLang="ja-JP" dirty="0" smtClean="0"/>
+              <a:t>。</a:t>
+            </a:r>
+            <a:endParaRPr lang="en-US" altLang="ja-JP" dirty="0"/>
+          </a:p>
+          <a:p>
+            <a:pPr marL="180000" lvl="1" indent="0">
+              <a:buNone/>
+            </a:pPr>
+            <a:r>
+              <a:rPr lang="ja-JP" altLang="en-US" dirty="0" smtClean="0"/>
+              <a:t>　ユーザ指定のサーバ証明書を使用していない場合、サーバ証明書は</a:t>
+            </a:r>
+            <a:r>
+              <a:rPr lang="en-US" altLang="ja-JP" dirty="0" smtClean="0"/>
+              <a:t>OASE</a:t>
+            </a:r>
+            <a:r>
+              <a:rPr lang="ja-JP" altLang="en-US" dirty="0" smtClean="0"/>
+              <a:t>インストール　　　　　　　</a:t>
+            </a:r>
+            <a:endParaRPr lang="en-US" altLang="ja-JP" dirty="0" smtClean="0"/>
+          </a:p>
+          <a:p>
+            <a:pPr marL="180000" lvl="1" indent="0">
+              <a:buNone/>
+            </a:pPr>
+            <a:r>
+              <a:rPr lang="ja-JP" altLang="en-US" dirty="0"/>
+              <a:t>　</a:t>
+            </a:r>
+            <a:r>
+              <a:rPr lang="ja-JP" altLang="en-US" dirty="0" smtClean="0"/>
+              <a:t>パッケージの以下のパスに格納されています。</a:t>
+            </a:r>
+            <a:endParaRPr lang="en-US" altLang="ja-JP" dirty="0"/>
+          </a:p>
+          <a:p>
+            <a:pPr lvl="1"/>
+            <a:endParaRPr lang="en-US" altLang="ja-JP" dirty="0"/>
+          </a:p>
+          <a:p>
+            <a:pPr lvl="1"/>
+            <a:endParaRPr lang="en-US" altLang="ja-JP" dirty="0"/>
+          </a:p>
+          <a:p>
+            <a:pPr lvl="1"/>
+            <a:endParaRPr lang="en-US" altLang="ja-JP" dirty="0" smtClean="0"/>
+          </a:p>
+          <a:p>
+            <a:pPr marL="180000" lvl="1" indent="0">
+              <a:buNone/>
+            </a:pPr>
+            <a:r>
+              <a:rPr lang="ja-JP" altLang="en-US" dirty="0" smtClean="0"/>
+              <a:t>　　　 </a:t>
+            </a:r>
+            <a:r>
+              <a:rPr lang="en-US" altLang="ja-JP" sz="1300" dirty="0" smtClean="0"/>
+              <a:t>※</a:t>
+            </a:r>
+            <a:r>
+              <a:rPr lang="ja-JP" altLang="en-US" sz="1300" dirty="0" smtClean="0"/>
+              <a:t>ユーザ証明書を使用する場合はアンサーファイルの「</a:t>
+            </a:r>
+            <a:r>
+              <a:rPr lang="en-US" altLang="ja-JP" sz="1300" dirty="0" err="1"/>
+              <a:t>certificate_path</a:t>
+            </a:r>
+            <a:r>
+              <a:rPr lang="ja-JP" altLang="en-US" sz="1300" dirty="0" smtClean="0"/>
+              <a:t>」に設定した証明書ファイル</a:t>
+            </a:r>
+            <a:endParaRPr lang="en-US" altLang="ja-JP" sz="1300" dirty="0" smtClean="0"/>
+          </a:p>
+          <a:p>
+            <a:pPr marL="180000" lvl="1" indent="0">
+              <a:buNone/>
+            </a:pPr>
+            <a:r>
+              <a:rPr lang="ja-JP" altLang="en-US" sz="1300" dirty="0"/>
+              <a:t>　</a:t>
+            </a:r>
+            <a:r>
+              <a:rPr lang="ja-JP" altLang="en-US" sz="1300" dirty="0" smtClean="0"/>
+              <a:t>　　　 を使用してください。</a:t>
+            </a:r>
+            <a:endParaRPr lang="en-US" altLang="ja-JP" sz="1300" dirty="0" smtClean="0"/>
+          </a:p>
+          <a:p>
+            <a:pPr marL="180000" lvl="1" indent="0">
+              <a:buNone/>
+            </a:pPr>
+            <a:endParaRPr lang="en-US" altLang="ja-JP" sz="1300" dirty="0"/>
+          </a:p>
+          <a:p>
+            <a:pPr lvl="1"/>
+            <a:r>
+              <a:rPr lang="en-US" altLang="ja-JP" dirty="0" smtClean="0"/>
+              <a:t>Web</a:t>
+            </a:r>
+            <a:r>
+              <a:rPr lang="ja-JP" altLang="en-US" dirty="0" smtClean="0"/>
+              <a:t>ブラウザに証明書のインポート</a:t>
+            </a:r>
+            <a:r>
+              <a:rPr lang="ja-JP" altLang="ja-JP" dirty="0" smtClean="0"/>
+              <a:t>をして</a:t>
+            </a:r>
+            <a:r>
+              <a:rPr lang="ja-JP" altLang="ja-JP" dirty="0"/>
+              <a:t>ください</a:t>
+            </a:r>
+            <a:r>
+              <a:rPr lang="ja-JP" altLang="ja-JP" dirty="0" smtClean="0"/>
+              <a:t>。</a:t>
+            </a:r>
+            <a:endParaRPr lang="en-US" altLang="ja-JP" dirty="0" smtClean="0"/>
+          </a:p>
+          <a:p>
+            <a:pPr lvl="1"/>
+            <a:endParaRPr lang="ja-JP" altLang="en-US" dirty="0"/>
+          </a:p>
+          <a:p>
+            <a:pPr lvl="0"/>
+            <a:r>
+              <a:rPr lang="en-US" altLang="ja-JP" dirty="0" smtClean="0"/>
+              <a:t>HTTPS</a:t>
+            </a:r>
+            <a:r>
+              <a:rPr lang="ja-JP" altLang="en-US" dirty="0" err="1" smtClean="0"/>
+              <a:t>での</a:t>
+            </a:r>
+            <a:r>
+              <a:rPr lang="en-US" altLang="ja-JP" dirty="0" smtClean="0"/>
+              <a:t>URL</a:t>
+            </a:r>
+            <a:r>
+              <a:rPr lang="ja-JP" altLang="en-US" dirty="0" smtClean="0"/>
+              <a:t>接続</a:t>
+            </a:r>
+            <a:endParaRPr lang="en-US" altLang="ja-JP" dirty="0"/>
+          </a:p>
+          <a:p>
+            <a:pPr lvl="1"/>
+            <a:r>
+              <a:rPr lang="ja-JP" altLang="en-US" dirty="0"/>
+              <a:t>以下</a:t>
+            </a:r>
+            <a:r>
+              <a:rPr lang="ja-JP" altLang="en-US" dirty="0" smtClean="0"/>
+              <a:t>の</a:t>
+            </a:r>
+            <a:r>
+              <a:rPr lang="en-US" altLang="ja-JP" dirty="0" smtClean="0"/>
+              <a:t>URL</a:t>
+            </a:r>
+            <a:r>
+              <a:rPr lang="ja-JP" altLang="en-US" dirty="0" smtClean="0"/>
+              <a:t>より、ログイン画面にアクセスして</a:t>
+            </a:r>
+            <a:r>
+              <a:rPr lang="ja-JP" altLang="ja-JP" dirty="0" smtClean="0"/>
+              <a:t>ください。</a:t>
+            </a:r>
+            <a:endParaRPr lang="en-US" altLang="ja-JP" dirty="0" smtClean="0"/>
+          </a:p>
+          <a:p>
+            <a:pPr lvl="1"/>
+            <a:r>
+              <a:rPr lang="en-US" altLang="ja-JP" dirty="0" smtClean="0"/>
+              <a:t>URL</a:t>
+            </a:r>
+            <a:r>
+              <a:rPr lang="ja-JP" altLang="en-US" dirty="0" smtClean="0"/>
+              <a:t>：</a:t>
+            </a:r>
+            <a:r>
+              <a:rPr lang="en-US" altLang="ja-JP" b="1" u="sng" dirty="0" smtClean="0">
+                <a:solidFill>
+                  <a:srgbClr val="FF0000"/>
+                </a:solidFill>
+              </a:rPr>
+              <a:t>https://[</a:t>
+            </a:r>
+            <a:r>
+              <a:rPr lang="ja-JP" altLang="en-US" b="1" u="sng" dirty="0" smtClean="0">
+                <a:solidFill>
+                  <a:srgbClr val="FF0000"/>
+                </a:solidFill>
+              </a:rPr>
+              <a:t>アンサーファイルの</a:t>
+            </a:r>
+            <a:r>
+              <a:rPr lang="en-US" altLang="ja-JP" b="1" u="sng" dirty="0" err="1" smtClean="0">
+                <a:solidFill>
+                  <a:srgbClr val="FF0000"/>
+                </a:solidFill>
+              </a:rPr>
+              <a:t>oase_domain</a:t>
+            </a:r>
+            <a:r>
+              <a:rPr lang="ja-JP" altLang="en-US" b="1" u="sng" dirty="0" smtClean="0">
+                <a:solidFill>
+                  <a:srgbClr val="FF0000"/>
+                </a:solidFill>
+              </a:rPr>
+              <a:t>に入力したホスト名</a:t>
+            </a:r>
+            <a:r>
+              <a:rPr lang="en-US" altLang="ja-JP" b="1" u="sng" dirty="0" smtClean="0">
+                <a:solidFill>
+                  <a:srgbClr val="FF0000"/>
+                </a:solidFill>
+              </a:rPr>
+              <a:t>]</a:t>
+            </a:r>
+            <a:endParaRPr lang="ja-JP" altLang="ja-JP" b="1" u="sng" dirty="0">
+              <a:solidFill>
+                <a:srgbClr val="FF0000"/>
+              </a:solidFill>
+            </a:endParaRPr>
+          </a:p>
+          <a:p>
+            <a:pPr marL="180000" lvl="1" indent="0">
+              <a:buNone/>
+            </a:pPr>
+            <a:r>
+              <a:rPr lang="ja-JP" altLang="ja-JP" dirty="0"/>
+              <a:t>　</a:t>
+            </a:r>
+            <a:r>
+              <a:rPr lang="en-US" altLang="ja-JP" dirty="0" smtClean="0"/>
+              <a:t>※</a:t>
+            </a:r>
+            <a:r>
+              <a:rPr lang="ja-JP" altLang="en-US" dirty="0" smtClean="0"/>
+              <a:t>ドメイン名の代わりに、サーバの</a:t>
+            </a:r>
+            <a:r>
+              <a:rPr lang="en-US" altLang="ja-JP" dirty="0" smtClean="0"/>
+              <a:t>IP</a:t>
+            </a:r>
+            <a:r>
+              <a:rPr lang="ja-JP" altLang="en-US" dirty="0" smtClean="0"/>
+              <a:t>アドレスでアクセスすることも可能です。</a:t>
+            </a:r>
+            <a:endParaRPr lang="en-US" altLang="ja-JP" dirty="0"/>
+          </a:p>
+          <a:p>
+            <a:pPr marL="180000" lvl="1" indent="0">
+              <a:buNone/>
+            </a:pPr>
+            <a:endParaRPr lang="en-US" altLang="ja-JP" dirty="0"/>
+          </a:p>
+          <a:p>
+            <a:pPr marL="180000" lvl="1" indent="0">
+              <a:buNone/>
+            </a:pPr>
+            <a:r>
+              <a:rPr lang="ja-JP" altLang="en-US" dirty="0"/>
+              <a:t>　</a:t>
+            </a:r>
+            <a:r>
+              <a:rPr lang="ja-JP" altLang="en-US" dirty="0" smtClean="0"/>
+              <a:t>接続後は</a:t>
+            </a:r>
+            <a:r>
+              <a:rPr lang="en-US" altLang="ja-JP" dirty="0" smtClean="0"/>
+              <a:t>HTTP</a:t>
+            </a:r>
+            <a:r>
+              <a:rPr lang="ja-JP" altLang="en-US" dirty="0" smtClean="0"/>
+              <a:t>の場合と同様となります。</a:t>
+            </a:r>
+            <a:endParaRPr lang="ja-JP" altLang="en-US" dirty="0"/>
+          </a:p>
+          <a:p>
+            <a:pPr lvl="1"/>
+            <a:endParaRPr lang="ja-JP" altLang="en-US" dirty="0"/>
+          </a:p>
+        </p:txBody>
+      </p:sp>
+      <p:graphicFrame>
+        <p:nvGraphicFramePr>
+          <p:cNvPr id="4" name="表 3"/>
+          <p:cNvGraphicFramePr>
+            <a:graphicFrameLocks noGrp="1"/>
+          </p:cNvGraphicFramePr>
+          <p:nvPr>
+            <p:extLst/>
+          </p:nvPr>
+        </p:nvGraphicFramePr>
+        <p:xfrm>
+          <a:off x="1115033" y="2503887"/>
+          <a:ext cx="6912960" cy="741680"/>
+        </p:xfrm>
+        <a:graphic>
+          <a:graphicData uri="http://schemas.openxmlformats.org/drawingml/2006/table">
+            <a:tbl>
+              <a:tblPr firstRow="1" bandRow="1">
+                <a:tableStyleId>{93296810-A885-4BE3-A3E7-6D5BEEA58F35}</a:tableStyleId>
+              </a:tblPr>
+              <a:tblGrid>
+                <a:gridCol w="2016280">
+                  <a:extLst>
+                    <a:ext uri="{9D8B030D-6E8A-4147-A177-3AD203B41FA5}">
+                      <a16:colId xmlns:a16="http://schemas.microsoft.com/office/drawing/2014/main" val="854185673"/>
+                    </a:ext>
+                  </a:extLst>
+                </a:gridCol>
+                <a:gridCol w="4896680">
+                  <a:extLst>
+                    <a:ext uri="{9D8B030D-6E8A-4147-A177-3AD203B41FA5}">
+                      <a16:colId xmlns:a16="http://schemas.microsoft.com/office/drawing/2014/main" val="44267676"/>
+                    </a:ext>
+                  </a:extLst>
+                </a:gridCol>
+              </a:tblGrid>
+              <a:tr h="370840">
+                <a:tc>
+                  <a:txBody>
+                    <a:bodyPr/>
+                    <a:lstStyle/>
+                    <a:p>
+                      <a:pPr algn="ctr"/>
+                      <a:r>
+                        <a:rPr kumimoji="1" lang="ja-JP" altLang="en-US" sz="1200" b="1" dirty="0" smtClean="0"/>
+                        <a:t>ディレクトリ</a:t>
+                      </a:r>
+                      <a:endParaRPr kumimoji="1" lang="ja-JP" altLang="en-US" sz="1200" b="1" dirty="0"/>
+                    </a:p>
+                  </a:txBody>
+                  <a:tcPr anchor="ctr" anchorCtr="1"/>
+                </a:tc>
+                <a:tc>
+                  <a:txBody>
+                    <a:bodyPr/>
+                    <a:lstStyle/>
+                    <a:p>
+                      <a:pPr algn="ctr"/>
+                      <a:r>
+                        <a:rPr kumimoji="1" lang="ja-JP" altLang="en-US" sz="1200" dirty="0" smtClean="0"/>
+                        <a:t>ファイル名</a:t>
+                      </a:r>
+                      <a:endParaRPr kumimoji="1" lang="ja-JP" altLang="en-US" sz="1200" dirty="0"/>
+                    </a:p>
+                  </a:txBody>
+                  <a:tcPr anchor="ctr" anchorCtr="1"/>
+                </a:tc>
+                <a:extLst>
+                  <a:ext uri="{0D108BD9-81ED-4DB2-BD59-A6C34878D82A}">
+                    <a16:rowId xmlns:a16="http://schemas.microsoft.com/office/drawing/2014/main" val="901334737"/>
+                  </a:ext>
+                </a:extLst>
+              </a:tr>
+              <a:tr h="370840">
+                <a:tc>
+                  <a:txBody>
+                    <a:bodyPr/>
+                    <a:lstStyle/>
+                    <a:p>
+                      <a:r>
+                        <a:rPr kumimoji="1" lang="en-US" altLang="ja-JP" sz="1200" dirty="0" smtClean="0"/>
+                        <a:t>/</a:t>
+                      </a:r>
+                      <a:r>
+                        <a:rPr kumimoji="1" lang="en-US" altLang="ja-JP" sz="1200" dirty="0" err="1" smtClean="0"/>
+                        <a:t>etc</a:t>
+                      </a:r>
+                      <a:r>
+                        <a:rPr kumimoji="1" lang="en-US" altLang="ja-JP" sz="1200" dirty="0" smtClean="0"/>
+                        <a:t>/</a:t>
+                      </a:r>
+                      <a:r>
+                        <a:rPr kumimoji="1" lang="en-US" altLang="ja-JP" sz="1200" dirty="0" err="1" smtClean="0"/>
+                        <a:t>pki</a:t>
+                      </a:r>
+                      <a:r>
+                        <a:rPr kumimoji="1" lang="en-US" altLang="ja-JP" sz="1200" dirty="0" smtClean="0"/>
+                        <a:t>/</a:t>
+                      </a:r>
+                      <a:r>
+                        <a:rPr kumimoji="1" lang="en-US" altLang="ja-JP" sz="1200" dirty="0" err="1" smtClean="0"/>
+                        <a:t>tls</a:t>
+                      </a:r>
+                      <a:r>
+                        <a:rPr kumimoji="1" lang="en-US" altLang="ja-JP" sz="1200" dirty="0" smtClean="0"/>
+                        <a:t>/certs</a:t>
+                      </a:r>
+                      <a:endParaRPr kumimoji="1" lang="ja-JP" altLang="en-US" sz="1200" dirty="0"/>
+                    </a:p>
+                  </a:txBody>
+                  <a:tcPr anchor="ctr"/>
+                </a:tc>
+                <a:tc>
+                  <a:txBody>
+                    <a:bodyPr/>
+                    <a:lstStyle/>
+                    <a:p>
+                      <a:r>
+                        <a:rPr kumimoji="1" lang="en-US" altLang="ja-JP" sz="1200" dirty="0" smtClean="0"/>
+                        <a:t>[</a:t>
+                      </a:r>
+                      <a:r>
+                        <a:rPr kumimoji="1" lang="ja-JP" altLang="en-US" sz="1200" dirty="0" smtClean="0"/>
+                        <a:t>アンサーファイルの</a:t>
+                      </a:r>
+                      <a:r>
+                        <a:rPr kumimoji="1" lang="en-US" altLang="ja-JP" sz="1200" dirty="0" err="1" smtClean="0"/>
+                        <a:t>oase_domain</a:t>
+                      </a:r>
+                      <a:r>
+                        <a:rPr kumimoji="1" lang="ja-JP" altLang="en-US" sz="1200" dirty="0" smtClean="0"/>
+                        <a:t>に設定したホスト名</a:t>
+                      </a:r>
+                      <a:r>
+                        <a:rPr kumimoji="1" lang="en-US" altLang="ja-JP" sz="1200" dirty="0" smtClean="0"/>
+                        <a:t>].</a:t>
+                      </a:r>
+                      <a:r>
+                        <a:rPr kumimoji="1" lang="en-US" altLang="ja-JP" sz="1200" dirty="0" err="1" smtClean="0"/>
+                        <a:t>crt</a:t>
+                      </a:r>
+                      <a:endParaRPr kumimoji="1" lang="ja-JP" altLang="en-US" sz="1200" dirty="0"/>
+                    </a:p>
+                  </a:txBody>
+                  <a:tcPr anchor="ctr"/>
+                </a:tc>
+                <a:extLst>
+                  <a:ext uri="{0D108BD9-81ED-4DB2-BD59-A6C34878D82A}">
+                    <a16:rowId xmlns:a16="http://schemas.microsoft.com/office/drawing/2014/main" val="3427282974"/>
+                  </a:ext>
+                </a:extLst>
+              </a:tr>
+            </a:tbl>
+          </a:graphicData>
+        </a:graphic>
+      </p:graphicFrame>
+    </p:spTree>
+    <p:extLst>
+      <p:ext uri="{BB962C8B-B14F-4D97-AF65-F5344CB8AC3E}">
+        <p14:creationId xmlns:p14="http://schemas.microsoft.com/office/powerpoint/2010/main" val="205967741"/>
+      </p:ext>
+    </p:extLst>
+  </p:cSld>
+  <p:clrMapOvr>
+    <a:masterClrMapping/>
+  </p:clrMapOvr>
+  <p:timing>
+    <p:tnLst>
+      <p:par>
+        <p:cTn id="1" dur="indefinite" restart="never" nodeType="tmRoot"/>
+      </p:par>
+    </p:tnLst>
+  </p:timing>
+</p:sld>
+</file>
+
+<file path=ppt/slides/slide34.xml><?xml version="1.0" encoding="utf-8"?>
+<p:sld xmlns:a="http://schemas.openxmlformats.org/drawingml/2006/main" xmlns:r="http://schemas.openxmlformats.org/officeDocument/2006/relationships" xmlns:p="http://schemas.openxmlformats.org/presentationml/2006/main">
+  <p:cSld>
+    <p:spTree>
+      <p:nvGrpSpPr>
+        <p:cNvPr id="1" name=""/>
+        <p:cNvGrpSpPr/>
+        <p:nvPr/>
+      </p:nvGrpSpPr>
+      <p:grpSpPr>
+        <a:xfrm>
+          <a:off x="0" y="0"/>
+          <a:ext cx="0" cy="0"/>
+          <a:chOff x="0" y="0"/>
+          <a:chExt cx="0" cy="0"/>
+        </a:xfrm>
+      </p:grpSpPr>
+      <p:sp>
+        <p:nvSpPr>
+          <p:cNvPr id="2" name="タイトル 1"/>
+          <p:cNvSpPr>
+            <a:spLocks noGrp="1"/>
+          </p:cNvSpPr>
+          <p:nvPr>
+            <p:ph type="title"/>
+          </p:nvPr>
+        </p:nvSpPr>
+        <p:spPr>
+          <a:xfrm>
+            <a:off x="179388" y="3045072"/>
+            <a:ext cx="8784000" cy="467239"/>
+          </a:xfrm>
+        </p:spPr>
+        <p:txBody>
+          <a:bodyPr/>
+          <a:lstStyle/>
+          <a:p>
+            <a:r>
+              <a:rPr lang="en-US" altLang="ja-JP" dirty="0"/>
+              <a:t>5</a:t>
+            </a:r>
+            <a:r>
+              <a:rPr lang="en-US" altLang="ja-JP" dirty="0" smtClean="0"/>
+              <a:t>.</a:t>
+            </a:r>
+            <a:r>
+              <a:rPr lang="ja-JP" altLang="en-US" dirty="0"/>
+              <a:t>　参考</a:t>
+            </a:r>
+            <a:endParaRPr kumimoji="1" lang="ja-JP" altLang="en-US" dirty="0"/>
+          </a:p>
+        </p:txBody>
+      </p:sp>
+    </p:spTree>
+    <p:extLst>
+      <p:ext uri="{BB962C8B-B14F-4D97-AF65-F5344CB8AC3E}">
+        <p14:creationId xmlns:p14="http://schemas.microsoft.com/office/powerpoint/2010/main" val="1711633943"/>
       </p:ext>
     </p:extLst>
   </p:cSld>
@@ -31867,27 +31079,15 @@
           <a:p>
             <a:r>
               <a:rPr lang="en-US" altLang="ja-JP" dirty="0" smtClean="0"/>
-              <a:t>4.6</a:t>
+              <a:t>5.1</a:t>
             </a:r>
             <a:r>
               <a:rPr lang="ja-JP" altLang="en-US" dirty="0"/>
-              <a:t>　動作確認</a:t>
+              <a:t>　</a:t>
             </a:r>
             <a:r>
               <a:rPr lang="ja-JP" altLang="en-US" dirty="0" smtClean="0"/>
-              <a:t>（</a:t>
-            </a:r>
-            <a:r>
-              <a:rPr lang="en-US" altLang="ja-JP" dirty="0"/>
-              <a:t>6</a:t>
-            </a:r>
-            <a:r>
-              <a:rPr lang="en-US" altLang="ja-JP" dirty="0" smtClean="0"/>
-              <a:t>/7</a:t>
-            </a:r>
-            <a:r>
-              <a:rPr lang="ja-JP" altLang="en-US" dirty="0" smtClean="0"/>
-              <a:t>）</a:t>
+              <a:t>参考</a:t>
             </a:r>
             <a:endParaRPr kumimoji="1" lang="ja-JP" altLang="en-US" dirty="0"/>
           </a:p>
@@ -31912,642 +31112,6 @@
           <a:p>
             <a:pPr lvl="0"/>
             <a:r>
-              <a:rPr lang="en-US" altLang="ja-JP" dirty="0"/>
-              <a:t>HTTP</a:t>
-            </a:r>
-            <a:r>
-              <a:rPr lang="ja-JP" altLang="en-US" dirty="0"/>
-              <a:t>または</a:t>
-            </a:r>
-            <a:r>
-              <a:rPr lang="en-US" altLang="ja-JP" dirty="0"/>
-              <a:t>HTTPS</a:t>
-            </a:r>
-            <a:r>
-              <a:rPr lang="ja-JP" altLang="en-US" dirty="0"/>
-              <a:t>アクセスの制限</a:t>
-            </a:r>
-            <a:endParaRPr lang="en-US" altLang="ja-JP" sz="1800" dirty="0"/>
-          </a:p>
-          <a:p>
-            <a:pPr marL="0" lvl="0" indent="0">
-              <a:buNone/>
-            </a:pPr>
-            <a:r>
-              <a:rPr lang="ja-JP" altLang="en-US" sz="1800" dirty="0"/>
-              <a:t>　</a:t>
-            </a:r>
-            <a:r>
-              <a:rPr lang="en-US" altLang="ja-JP" sz="1700" dirty="0"/>
-              <a:t>HTTP</a:t>
-            </a:r>
-            <a:r>
-              <a:rPr lang="ja-JP" altLang="en-US" sz="1700" dirty="0"/>
-              <a:t>または</a:t>
-            </a:r>
-            <a:r>
-              <a:rPr lang="en-US" altLang="ja-JP" sz="1700" dirty="0"/>
-              <a:t>HTTPS</a:t>
-            </a:r>
-            <a:r>
-              <a:rPr lang="ja-JP" altLang="en-US" sz="1700" dirty="0"/>
-              <a:t>アクセスを制限する場合は、以下の手順を実施してください。</a:t>
-            </a:r>
-            <a:endParaRPr lang="en-US" altLang="ja-JP" sz="1700" dirty="0"/>
-          </a:p>
-          <a:p>
-            <a:pPr marL="0" lvl="0" indent="0">
-              <a:buNone/>
-            </a:pPr>
-            <a:endParaRPr lang="en-US" altLang="ja-JP" sz="1700" dirty="0"/>
-          </a:p>
-          <a:p>
-            <a:pPr lvl="1"/>
-            <a:r>
-              <a:rPr lang="ja-JP" altLang="en-US" dirty="0"/>
-              <a:t>ファイル「</a:t>
-            </a:r>
-            <a:r>
-              <a:rPr lang="en-US" altLang="ja-JP" dirty="0"/>
-              <a:t>/</a:t>
-            </a:r>
-            <a:r>
-              <a:rPr lang="en-US" altLang="ja-JP" dirty="0" err="1"/>
-              <a:t>etc</a:t>
-            </a:r>
-            <a:r>
-              <a:rPr lang="en-US" altLang="ja-JP" dirty="0"/>
-              <a:t>/</a:t>
-            </a:r>
-            <a:r>
-              <a:rPr lang="en-US" altLang="ja-JP" dirty="0" err="1"/>
-              <a:t>httpd</a:t>
-            </a:r>
-            <a:r>
-              <a:rPr lang="en-US" altLang="ja-JP" dirty="0"/>
-              <a:t>/</a:t>
-            </a:r>
-            <a:r>
-              <a:rPr lang="en-US" altLang="ja-JP" dirty="0" err="1"/>
-              <a:t>conf.d</a:t>
-            </a:r>
-            <a:r>
-              <a:rPr lang="en-US" altLang="ja-JP" dirty="0"/>
-              <a:t>/</a:t>
-            </a:r>
-            <a:r>
-              <a:rPr lang="en-US" altLang="ja-JP" dirty="0" err="1"/>
-              <a:t>oase.conf</a:t>
-            </a:r>
-            <a:r>
-              <a:rPr lang="ja-JP" altLang="en-US" dirty="0"/>
-              <a:t>」を編集する。</a:t>
-            </a:r>
-          </a:p>
-          <a:p>
-            <a:pPr marL="180000" lvl="1" indent="0">
-              <a:buNone/>
-            </a:pPr>
-            <a:r>
-              <a:rPr lang="ja-JP" altLang="en-US" dirty="0"/>
-              <a:t>　</a:t>
-            </a:r>
-            <a:r>
-              <a:rPr lang="en-US" altLang="ja-JP" dirty="0"/>
-              <a:t>HTTP</a:t>
-            </a:r>
-            <a:r>
-              <a:rPr lang="ja-JP" altLang="en-US" dirty="0"/>
-              <a:t>を制限する場合は、「</a:t>
-            </a:r>
-            <a:r>
-              <a:rPr lang="en-US" altLang="ja-JP" dirty="0"/>
-              <a:t>&lt;</a:t>
-            </a:r>
-            <a:r>
-              <a:rPr lang="en-US" altLang="ja-JP" dirty="0" err="1"/>
-              <a:t>VirtualHost</a:t>
-            </a:r>
-            <a:r>
-              <a:rPr lang="en-US" altLang="ja-JP" dirty="0"/>
-              <a:t> *:80 &gt;</a:t>
-            </a:r>
-            <a:r>
-              <a:rPr lang="ja-JP" altLang="en-US" dirty="0"/>
-              <a:t>」から「</a:t>
-            </a:r>
-            <a:r>
-              <a:rPr lang="en-US" altLang="ja-JP" dirty="0"/>
-              <a:t>&lt;/</a:t>
-            </a:r>
-            <a:r>
-              <a:rPr lang="en-US" altLang="ja-JP" dirty="0" err="1"/>
-              <a:t>VirtualHost</a:t>
-            </a:r>
-            <a:r>
-              <a:rPr lang="en-US" altLang="ja-JP" dirty="0"/>
-              <a:t>&gt;</a:t>
-            </a:r>
-            <a:r>
-              <a:rPr lang="ja-JP" altLang="en-US" dirty="0"/>
-              <a:t>」をコメント</a:t>
-            </a:r>
-          </a:p>
-          <a:p>
-            <a:pPr marL="180000" lvl="1" indent="0">
-              <a:buNone/>
-            </a:pPr>
-            <a:r>
-              <a:rPr lang="ja-JP" altLang="en-US" dirty="0"/>
-              <a:t>　アウト</a:t>
-            </a:r>
-            <a:r>
-              <a:rPr lang="en-US" altLang="ja-JP" dirty="0"/>
-              <a:t>(#)</a:t>
-            </a:r>
-            <a:r>
-              <a:rPr lang="ja-JP" altLang="en-US" dirty="0"/>
-              <a:t>をする。</a:t>
-            </a:r>
-          </a:p>
-          <a:p>
-            <a:pPr marL="180000" lvl="1" indent="0">
-              <a:buNone/>
-            </a:pPr>
-            <a:r>
-              <a:rPr lang="ja-JP" altLang="en-US" dirty="0"/>
-              <a:t>　</a:t>
-            </a:r>
-            <a:r>
-              <a:rPr lang="en-US" altLang="ja-JP" dirty="0"/>
-              <a:t>HTTPS</a:t>
-            </a:r>
-            <a:r>
-              <a:rPr lang="ja-JP" altLang="en-US" dirty="0"/>
-              <a:t>を制限する場合は、「</a:t>
-            </a:r>
-            <a:r>
-              <a:rPr lang="en-US" altLang="ja-JP" dirty="0"/>
-              <a:t>&lt;</a:t>
-            </a:r>
-            <a:r>
-              <a:rPr lang="en-US" altLang="ja-JP" dirty="0" err="1"/>
-              <a:t>VirtualHost</a:t>
-            </a:r>
-            <a:r>
-              <a:rPr lang="en-US" altLang="ja-JP" dirty="0"/>
-              <a:t> *:443 &gt;</a:t>
-            </a:r>
-            <a:r>
-              <a:rPr lang="ja-JP" altLang="en-US" dirty="0"/>
-              <a:t>」から「</a:t>
-            </a:r>
-            <a:r>
-              <a:rPr lang="en-US" altLang="ja-JP" dirty="0"/>
-              <a:t>&lt;/</a:t>
-            </a:r>
-            <a:r>
-              <a:rPr lang="en-US" altLang="ja-JP" dirty="0" err="1"/>
-              <a:t>VirtualHost</a:t>
-            </a:r>
-            <a:r>
-              <a:rPr lang="en-US" altLang="ja-JP" dirty="0"/>
-              <a:t>&gt;</a:t>
-            </a:r>
-            <a:r>
-              <a:rPr lang="ja-JP" altLang="en-US" dirty="0"/>
-              <a:t>」をコメン</a:t>
-            </a:r>
-          </a:p>
-          <a:p>
-            <a:pPr marL="180000" lvl="1" indent="0">
-              <a:buNone/>
-            </a:pPr>
-            <a:r>
-              <a:rPr lang="ja-JP" altLang="en-US" dirty="0"/>
-              <a:t>　トアウト</a:t>
-            </a:r>
-            <a:r>
-              <a:rPr lang="en-US" altLang="ja-JP" dirty="0"/>
-              <a:t>(#)</a:t>
-            </a:r>
-            <a:r>
-              <a:rPr lang="ja-JP" altLang="en-US" dirty="0"/>
-              <a:t>をする。</a:t>
-            </a:r>
-            <a:endParaRPr lang="en-US" altLang="ja-JP" dirty="0"/>
-          </a:p>
-          <a:p>
-            <a:pPr marL="0" lvl="0" indent="0">
-              <a:buNone/>
-            </a:pPr>
-            <a:endParaRPr lang="en-US" altLang="ja-JP" sz="1700" dirty="0"/>
-          </a:p>
-          <a:p>
-            <a:pPr lvl="1"/>
-            <a:r>
-              <a:rPr lang="ja-JP" altLang="en-US" dirty="0"/>
-              <a:t>以下のコマンドにより</a:t>
-            </a:r>
-            <a:r>
-              <a:rPr lang="en-US" altLang="ja-JP" dirty="0"/>
-              <a:t>Apache</a:t>
-            </a:r>
-            <a:r>
-              <a:rPr lang="ja-JP" altLang="en-US" dirty="0"/>
-              <a:t>を再起動する。</a:t>
-            </a:r>
-            <a:endParaRPr lang="en-US" altLang="ja-JP" dirty="0"/>
-          </a:p>
-          <a:p>
-            <a:pPr marL="180000" lvl="1" indent="0">
-              <a:buNone/>
-            </a:pPr>
-            <a:r>
-              <a:rPr lang="ja-JP" altLang="en-US" dirty="0"/>
-              <a:t>　</a:t>
-            </a:r>
-            <a:r>
-              <a:rPr lang="en-US" altLang="ja-JP" dirty="0"/>
-              <a:t># </a:t>
-            </a:r>
-            <a:r>
-              <a:rPr lang="en-US" altLang="ja-JP" dirty="0" err="1"/>
-              <a:t>systemctl</a:t>
-            </a:r>
-            <a:r>
-              <a:rPr lang="en-US" altLang="ja-JP" dirty="0"/>
-              <a:t> restart </a:t>
-            </a:r>
-            <a:r>
-              <a:rPr lang="en-US" altLang="ja-JP" dirty="0" err="1"/>
-              <a:t>httpd</a:t>
-            </a:r>
-            <a:r>
-              <a:rPr lang="ja-JP" altLang="en-US" dirty="0"/>
-              <a:t>　</a:t>
-            </a:r>
-            <a:endParaRPr lang="en-US" altLang="ja-JP" dirty="0"/>
-          </a:p>
-          <a:p>
-            <a:pPr marL="180000" lvl="1" indent="0">
-              <a:buNone/>
-            </a:pPr>
-            <a:endParaRPr kumimoji="1" lang="ja-JP" altLang="en-US" dirty="0"/>
-          </a:p>
-        </p:txBody>
-      </p:sp>
-    </p:spTree>
-    <p:extLst>
-      <p:ext uri="{BB962C8B-B14F-4D97-AF65-F5344CB8AC3E}">
-        <p14:creationId xmlns:p14="http://schemas.microsoft.com/office/powerpoint/2010/main" val="3139446089"/>
-      </p:ext>
-    </p:extLst>
-  </p:cSld>
-  <p:clrMapOvr>
-    <a:masterClrMapping/>
-  </p:clrMapOvr>
-</p:sld>
-</file>
-
-<file path=ppt/slides/slide36.xml><?xml version="1.0" encoding="utf-8"?>
-<p:sld xmlns:a="http://schemas.openxmlformats.org/drawingml/2006/main" xmlns:r="http://schemas.openxmlformats.org/officeDocument/2006/relationships" xmlns:p="http://schemas.openxmlformats.org/presentationml/2006/main">
-  <p:cSld>
-    <p:spTree>
-      <p:nvGrpSpPr>
-        <p:cNvPr id="1" name=""/>
-        <p:cNvGrpSpPr/>
-        <p:nvPr/>
-      </p:nvGrpSpPr>
-      <p:grpSpPr>
-        <a:xfrm>
-          <a:off x="0" y="0"/>
-          <a:ext cx="0" cy="0"/>
-          <a:chOff x="0" y="0"/>
-          <a:chExt cx="0" cy="0"/>
-        </a:xfrm>
-      </p:grpSpPr>
-      <p:sp>
-        <p:nvSpPr>
-          <p:cNvPr id="2" name="タイトル 1"/>
-          <p:cNvSpPr>
-            <a:spLocks noGrp="1"/>
-          </p:cNvSpPr>
-          <p:nvPr>
-            <p:ph type="title"/>
-          </p:nvPr>
-        </p:nvSpPr>
-        <p:spPr/>
-        <p:txBody>
-          <a:bodyPr/>
-          <a:lstStyle/>
-          <a:p>
-            <a:r>
-              <a:rPr lang="en-US" altLang="ja-JP" dirty="0" smtClean="0"/>
-              <a:t>4.7</a:t>
-            </a:r>
-            <a:r>
-              <a:rPr lang="ja-JP" altLang="en-US" dirty="0"/>
-              <a:t>　動作確認</a:t>
-            </a:r>
-            <a:r>
-              <a:rPr lang="ja-JP" altLang="en-US" dirty="0" smtClean="0"/>
-              <a:t>（</a:t>
-            </a:r>
-            <a:r>
-              <a:rPr lang="en-US" altLang="ja-JP" dirty="0"/>
-              <a:t>7</a:t>
-            </a:r>
-            <a:r>
-              <a:rPr lang="en-US" altLang="ja-JP" dirty="0" smtClean="0"/>
-              <a:t>/7</a:t>
-            </a:r>
-            <a:r>
-              <a:rPr lang="ja-JP" altLang="en-US" dirty="0" smtClean="0"/>
-              <a:t>）</a:t>
-            </a:r>
-            <a:endParaRPr kumimoji="1" lang="ja-JP" altLang="en-US" dirty="0"/>
-          </a:p>
-        </p:txBody>
-      </p:sp>
-      <p:sp>
-        <p:nvSpPr>
-          <p:cNvPr id="3" name="コンテンツ プレースホルダー 2"/>
-          <p:cNvSpPr>
-            <a:spLocks noGrp="1"/>
-          </p:cNvSpPr>
-          <p:nvPr>
-            <p:ph sz="quarter" idx="10"/>
-          </p:nvPr>
-        </p:nvSpPr>
-        <p:spPr/>
-        <p:txBody>
-          <a:bodyPr>
-            <a:normAutofit/>
-          </a:bodyPr>
-          <a:lstStyle/>
-          <a:p>
-            <a:pPr lvl="0"/>
-            <a:r>
-              <a:rPr lang="en-US" altLang="ja-JP" dirty="0"/>
-              <a:t>HTTP</a:t>
-            </a:r>
-            <a:r>
-              <a:rPr lang="ja-JP" altLang="en-US" dirty="0" err="1"/>
-              <a:t>での</a:t>
-            </a:r>
-            <a:r>
-              <a:rPr lang="en-US" altLang="ja-JP" dirty="0"/>
-              <a:t>URL</a:t>
-            </a:r>
-            <a:r>
-              <a:rPr lang="ja-JP" altLang="en-US" dirty="0"/>
-              <a:t>接続</a:t>
-            </a:r>
-            <a:endParaRPr lang="en-US" altLang="ja-JP" dirty="0"/>
-          </a:p>
-          <a:p>
-            <a:pPr lvl="1"/>
-            <a:r>
-              <a:rPr lang="ja-JP" altLang="en-US" dirty="0"/>
-              <a:t>以下の</a:t>
-            </a:r>
-            <a:r>
-              <a:rPr lang="en-US" altLang="ja-JP" dirty="0"/>
-              <a:t>URL</a:t>
-            </a:r>
-            <a:r>
-              <a:rPr lang="ja-JP" altLang="en-US" dirty="0"/>
-              <a:t>より、ログイン画面にアクセスしてください。</a:t>
-            </a:r>
-            <a:endParaRPr lang="en-US" altLang="ja-JP" dirty="0"/>
-          </a:p>
-          <a:p>
-            <a:pPr lvl="1"/>
-            <a:r>
-              <a:rPr lang="en-US" altLang="ja-JP" dirty="0"/>
-              <a:t>URL</a:t>
-            </a:r>
-            <a:r>
-              <a:rPr lang="ja-JP" altLang="ja-JP" dirty="0"/>
-              <a:t>：</a:t>
-            </a:r>
-            <a:r>
-              <a:rPr lang="en-US" altLang="ja-JP" dirty="0">
-                <a:solidFill>
-                  <a:srgbClr val="FF0000"/>
-                </a:solidFill>
-              </a:rPr>
-              <a:t>http://</a:t>
-            </a:r>
-            <a:r>
-              <a:rPr lang="ja-JP" altLang="en-US" dirty="0">
-                <a:solidFill>
-                  <a:srgbClr val="FF0000"/>
-                </a:solidFill>
-              </a:rPr>
-              <a:t>（サーバの</a:t>
-            </a:r>
-            <a:r>
-              <a:rPr lang="en-US" altLang="ja-JP" dirty="0">
-                <a:solidFill>
-                  <a:srgbClr val="FF0000"/>
-                </a:solidFill>
-              </a:rPr>
-              <a:t>IP</a:t>
-            </a:r>
-            <a:r>
-              <a:rPr lang="ja-JP" altLang="en-US" dirty="0">
-                <a:solidFill>
-                  <a:srgbClr val="FF0000"/>
-                </a:solidFill>
-              </a:rPr>
-              <a:t>アドレス）</a:t>
-            </a:r>
-            <a:endParaRPr lang="en-US" altLang="ja-JP" dirty="0">
-              <a:solidFill>
-                <a:srgbClr val="FF0000"/>
-              </a:solidFill>
-            </a:endParaRPr>
-          </a:p>
-          <a:p>
-            <a:pPr lvl="1"/>
-            <a:endParaRPr lang="en-US" altLang="ja-JP" dirty="0"/>
-          </a:p>
-          <a:p>
-            <a:pPr marL="180000" lvl="1" indent="0">
-              <a:buNone/>
-            </a:pPr>
-            <a:r>
-              <a:rPr lang="ja-JP" altLang="en-US" dirty="0"/>
-              <a:t>接続後は</a:t>
-            </a:r>
-            <a:r>
-              <a:rPr lang="en-US" altLang="ja-JP" dirty="0"/>
-              <a:t>HTTPS</a:t>
-            </a:r>
-            <a:r>
-              <a:rPr lang="ja-JP" altLang="en-US" dirty="0"/>
-              <a:t>の場合と同様となります。</a:t>
-            </a:r>
-            <a:endParaRPr lang="ja-JP" altLang="en-US" dirty="0"/>
-          </a:p>
-        </p:txBody>
-      </p:sp>
-    </p:spTree>
-    <p:extLst>
-      <p:ext uri="{BB962C8B-B14F-4D97-AF65-F5344CB8AC3E}">
-        <p14:creationId xmlns:p14="http://schemas.microsoft.com/office/powerpoint/2010/main" val="3910586301"/>
-      </p:ext>
-    </p:extLst>
-  </p:cSld>
-  <p:clrMapOvr>
-    <a:masterClrMapping/>
-  </p:clrMapOvr>
-</p:sld>
-</file>
-
-<file path=ppt/slides/slide37.xml><?xml version="1.0" encoding="utf-8"?>
-<p:sld xmlns:a="http://schemas.openxmlformats.org/drawingml/2006/main" xmlns:r="http://schemas.openxmlformats.org/officeDocument/2006/relationships" xmlns:p="http://schemas.openxmlformats.org/presentationml/2006/main">
-  <p:cSld>
-    <p:spTree>
-      <p:nvGrpSpPr>
-        <p:cNvPr id="1" name=""/>
-        <p:cNvGrpSpPr/>
-        <p:nvPr/>
-      </p:nvGrpSpPr>
-      <p:grpSpPr>
-        <a:xfrm>
-          <a:off x="0" y="0"/>
-          <a:ext cx="0" cy="0"/>
-          <a:chOff x="0" y="0"/>
-          <a:chExt cx="0" cy="0"/>
-        </a:xfrm>
-      </p:grpSpPr>
-      <p:sp>
-        <p:nvSpPr>
-          <p:cNvPr id="2" name="タイトル 1"/>
-          <p:cNvSpPr>
-            <a:spLocks noGrp="1"/>
-          </p:cNvSpPr>
-          <p:nvPr>
-            <p:ph type="title"/>
-          </p:nvPr>
-        </p:nvSpPr>
-        <p:spPr>
-          <a:xfrm>
-            <a:off x="179388" y="3045072"/>
-            <a:ext cx="8784000" cy="467239"/>
-          </a:xfrm>
-        </p:spPr>
-        <p:txBody>
-          <a:bodyPr/>
-          <a:lstStyle/>
-          <a:p>
-            <a:r>
-              <a:rPr lang="en-US" altLang="ja-JP" dirty="0"/>
-              <a:t>5</a:t>
-            </a:r>
-            <a:r>
-              <a:rPr lang="en-US" altLang="ja-JP" dirty="0" smtClean="0"/>
-              <a:t>.</a:t>
-            </a:r>
-            <a:r>
-              <a:rPr lang="ja-JP" altLang="en-US" dirty="0"/>
-              <a:t>　</a:t>
-            </a:r>
-            <a:r>
-              <a:rPr lang="ja-JP" altLang="en-US" dirty="0"/>
-              <a:t>参考</a:t>
-            </a:r>
-            <a:endParaRPr kumimoji="1" lang="ja-JP" altLang="en-US" dirty="0"/>
-          </a:p>
-        </p:txBody>
-      </p:sp>
-    </p:spTree>
-    <p:extLst>
-      <p:ext uri="{BB962C8B-B14F-4D97-AF65-F5344CB8AC3E}">
-        <p14:creationId xmlns:p14="http://schemas.microsoft.com/office/powerpoint/2010/main" val="1711633943"/>
-      </p:ext>
-    </p:extLst>
-  </p:cSld>
-  <p:clrMapOvr>
-    <a:masterClrMapping/>
-  </p:clrMapOvr>
-</p:sld>
-</file>
-
-<file path=ppt/slides/slide38.xml><?xml version="1.0" encoding="utf-8"?>
-<p:sld xmlns:a="http://schemas.openxmlformats.org/drawingml/2006/main" xmlns:r="http://schemas.openxmlformats.org/officeDocument/2006/relationships" xmlns:p="http://schemas.openxmlformats.org/presentationml/2006/main">
-  <p:cSld>
-    <p:spTree>
-      <p:nvGrpSpPr>
-        <p:cNvPr id="1" name=""/>
-        <p:cNvGrpSpPr/>
-        <p:nvPr/>
-      </p:nvGrpSpPr>
-      <p:grpSpPr>
-        <a:xfrm>
-          <a:off x="0" y="0"/>
-          <a:ext cx="0" cy="0"/>
-          <a:chOff x="0" y="0"/>
-          <a:chExt cx="0" cy="0"/>
-        </a:xfrm>
-      </p:grpSpPr>
-      <p:sp>
-        <p:nvSpPr>
-          <p:cNvPr id="2" name="タイトル 1"/>
-          <p:cNvSpPr>
-            <a:spLocks noGrp="1"/>
-          </p:cNvSpPr>
-          <p:nvPr>
-            <p:ph type="title"/>
-          </p:nvPr>
-        </p:nvSpPr>
-        <p:spPr/>
-        <p:txBody>
-          <a:bodyPr/>
-          <a:lstStyle/>
-          <a:p>
-            <a:r>
-              <a:rPr lang="en-US" altLang="ja-JP" dirty="0" smtClean="0"/>
-              <a:t>5</a:t>
-            </a:r>
-            <a:r>
-              <a:rPr lang="en-US" altLang="ja-JP" dirty="0" smtClean="0"/>
-              <a:t>.1</a:t>
-            </a:r>
-            <a:r>
-              <a:rPr lang="ja-JP" altLang="en-US" dirty="0"/>
-              <a:t>　</a:t>
-            </a:r>
-            <a:r>
-              <a:rPr lang="ja-JP" altLang="en-US" dirty="0" smtClean="0"/>
-              <a:t>参考</a:t>
-            </a:r>
-            <a:endParaRPr kumimoji="1" lang="ja-JP" altLang="en-US" dirty="0"/>
-          </a:p>
-        </p:txBody>
-      </p:sp>
-      <p:sp>
-        <p:nvSpPr>
-          <p:cNvPr id="3" name="コンテンツ プレースホルダー 2"/>
-          <p:cNvSpPr>
-            <a:spLocks noGrp="1"/>
-          </p:cNvSpPr>
-          <p:nvPr>
-            <p:ph sz="quarter" idx="10"/>
-          </p:nvPr>
-        </p:nvSpPr>
-        <p:spPr/>
-        <p:txBody>
-          <a:bodyPr>
-            <a:normAutofit/>
-          </a:bodyPr>
-          <a:lstStyle/>
-          <a:p>
-            <a:pPr lvl="0"/>
-            <a:r>
               <a:rPr lang="ja-JP" altLang="en-US" dirty="0" smtClean="0"/>
               <a:t>インストールモードについて</a:t>
             </a:r>
@@ -32753,7 +31317,7 @@
 </p:sld>
 </file>
 
-<file path=ppt/slides/slide39.xml><?xml version="1.0" encoding="utf-8"?>
+<file path=ppt/slides/slide36.xml><?xml version="1.0" encoding="utf-8"?>
 <p:sld xmlns:a="http://schemas.openxmlformats.org/drawingml/2006/main" xmlns:r="http://schemas.openxmlformats.org/officeDocument/2006/relationships" xmlns:p="http://schemas.openxmlformats.org/presentationml/2006/main">
   <p:cSld>
     <p:spTree>
